--- a/Crowdlearning - NHibernate Parte 2  - Henrique Muller (Slides).pptx
+++ b/Crowdlearning - NHibernate Parte 2  - Henrique Muller (Slides).pptx
@@ -5,26 +5,25 @@
     <p:sldMasterId id="2147483648" r:id="rId4"/>
   </p:sldMasterIdLst>
   <p:notesMasterIdLst>
-    <p:notesMasterId r:id="rId19"/>
+    <p:notesMasterId r:id="rId18"/>
   </p:notesMasterIdLst>
   <p:handoutMasterIdLst>
-    <p:handoutMasterId r:id="rId20"/>
+    <p:handoutMasterId r:id="rId19"/>
   </p:handoutMasterIdLst>
   <p:sldIdLst>
     <p:sldId id="265" r:id="rId5"/>
     <p:sldId id="336" r:id="rId6"/>
     <p:sldId id="337" r:id="rId7"/>
     <p:sldId id="338" r:id="rId8"/>
-    <p:sldId id="344" r:id="rId9"/>
-    <p:sldId id="339" r:id="rId10"/>
-    <p:sldId id="335" r:id="rId11"/>
-    <p:sldId id="346" r:id="rId12"/>
-    <p:sldId id="330" r:id="rId13"/>
-    <p:sldId id="345" r:id="rId14"/>
-    <p:sldId id="333" r:id="rId15"/>
-    <p:sldId id="340" r:id="rId16"/>
-    <p:sldId id="334" r:id="rId17"/>
-    <p:sldId id="317" r:id="rId18"/>
+    <p:sldId id="339" r:id="rId9"/>
+    <p:sldId id="335" r:id="rId10"/>
+    <p:sldId id="346" r:id="rId11"/>
+    <p:sldId id="330" r:id="rId12"/>
+    <p:sldId id="345" r:id="rId13"/>
+    <p:sldId id="333" r:id="rId14"/>
+    <p:sldId id="340" r:id="rId15"/>
+    <p:sldId id="334" r:id="rId16"/>
+    <p:sldId id="317" r:id="rId17"/>
   </p:sldIdLst>
   <p:sldSz cx="12192000" cy="6858000"/>
   <p:notesSz cx="6858000" cy="9144000"/>
@@ -243,7 +242,7 @@
           <a:p>
             <a:fld id="{20EA5F0D-C1DC-412F-A146-DDB3A74B588F}" type="datetimeFigureOut">
               <a:rPr lang="en-US"/>
-              <a:t>5/26/2014</a:t>
+              <a:t>5/28/2014</a:t>
             </a:fld>
             <a:endParaRPr/>
           </a:p>
@@ -408,7 +407,7 @@
           <a:p>
             <a:fld id="{A8CDE508-72C8-4AB5-AA9C-1584D31690E0}" type="datetimeFigureOut">
               <a:rPr lang="en-US"/>
-              <a:t>5/26/2014</a:t>
+              <a:t>5/28/2014</a:t>
             </a:fld>
             <a:endParaRPr/>
           </a:p>
@@ -805,41 +804,56 @@
           <a:p>
             <a:r>
               <a:rPr lang="pt-BR" dirty="0" smtClean="0"/>
-              <a:t>HQL</a:t>
-            </a:r>
-          </a:p>
-          <a:p>
-            <a:endParaRPr lang="pt-BR" dirty="0" smtClean="0"/>
-          </a:p>
-          <a:p>
+              <a:t>Podem </a:t>
+            </a:r>
             <a:r>
               <a:rPr lang="pt-BR" dirty="0" smtClean="0"/>
-              <a:t>Similar ao SQL.</a:t>
-            </a:r>
+              <a:t>retornar </a:t>
+            </a:r>
+            <a:r>
+              <a:rPr lang="pt-BR" dirty="0" smtClean="0"/>
+              <a:t>valores parciais da entidade, apenas um coluna. </a:t>
+            </a:r>
+            <a:r>
+              <a:rPr lang="pt-BR" dirty="0" err="1" smtClean="0"/>
+              <a:t>Joins</a:t>
+            </a:r>
+            <a:r>
+              <a:rPr lang="pt-BR" dirty="0" smtClean="0"/>
+              <a:t> retornando dados apenas de uma</a:t>
+            </a:r>
+            <a:r>
+              <a:rPr lang="pt-BR" baseline="0" dirty="0" smtClean="0"/>
+              <a:t> tabela</a:t>
+            </a:r>
+            <a:r>
+              <a:rPr lang="pt-BR" baseline="0" dirty="0" smtClean="0"/>
+              <a:t>.</a:t>
+            </a:r>
+          </a:p>
+          <a:p>
             <a:endParaRPr lang="pt-BR" baseline="0" dirty="0" smtClean="0"/>
           </a:p>
           <a:p>
+            <a:endParaRPr lang="pt-BR" baseline="0" dirty="0" smtClean="0"/>
+          </a:p>
+          <a:p>
             <a:r>
               <a:rPr lang="pt-BR" baseline="0" dirty="0" smtClean="0"/>
-              <a:t>É query em uma classe mapeada. Case </a:t>
-            </a:r>
-            <a:r>
-              <a:rPr lang="pt-BR" baseline="0" dirty="0" err="1" smtClean="0"/>
-              <a:t>sensitive</a:t>
-            </a:r>
-            <a:endParaRPr lang="pt-BR" baseline="0" dirty="0" smtClean="0"/>
-          </a:p>
-          <a:p>
-            <a:endParaRPr lang="pt-BR" baseline="0" dirty="0" smtClean="0"/>
-          </a:p>
-          <a:p>
-            <a:r>
-              <a:rPr lang="pt-BR" baseline="0" dirty="0" smtClean="0"/>
-              <a:t>http://nhforge.org/doc/nh/en/index.html#queryhql</a:t>
-            </a:r>
-          </a:p>
-          <a:p>
-            <a:endParaRPr lang="pt-BR" baseline="0" dirty="0" smtClean="0"/>
+              <a:t>Demo na classe </a:t>
+            </a:r>
+            <a:r>
+              <a:rPr lang="pt-BR" sz="1200" b="1" kern="1200" dirty="0" err="1" smtClean="0">
+                <a:solidFill>
+                  <a:schemeClr val="tx1"/>
+                </a:solidFill>
+                <a:latin typeface="+mn-lt"/>
+                <a:ea typeface="+mn-ea"/>
+                <a:cs typeface="+mn-cs"/>
+              </a:rPr>
+              <a:t>LambdaLinkToSQL</a:t>
+            </a:r>
+            <a:endParaRPr lang="pt-BR" b="1" dirty="0"/>
           </a:p>
         </p:txBody>
       </p:sp>
@@ -869,7 +883,7 @@
     </p:spTree>
     <p:extLst>
       <p:ext uri="{BB962C8B-B14F-4D97-AF65-F5344CB8AC3E}">
-        <p14:creationId xmlns:p14="http://schemas.microsoft.com/office/powerpoint/2010/main" val="1931572692"/>
+        <p14:creationId xmlns:p14="http://schemas.microsoft.com/office/powerpoint/2010/main" val="2894661316"/>
       </p:ext>
     </p:extLst>
   </p:cSld>
@@ -924,22 +938,131 @@
           <a:lstStyle/>
           <a:p>
             <a:r>
-              <a:rPr lang="pt-BR" dirty="0" smtClean="0"/>
-              <a:t>Podem retornar valores parciais da entidade, apenas um coluna. </a:t>
-            </a:r>
-            <a:r>
-              <a:rPr lang="pt-BR" dirty="0" err="1" smtClean="0"/>
-              <a:t>Joins</a:t>
-            </a:r>
-            <a:r>
-              <a:rPr lang="pt-BR" dirty="0" smtClean="0"/>
-              <a:t> retornando dados apenas de uma</a:t>
-            </a:r>
-            <a:r>
-              <a:rPr lang="pt-BR" baseline="0" dirty="0" smtClean="0"/>
-              <a:t> tabela.</a:t>
-            </a:r>
-            <a:endParaRPr lang="pt-BR" dirty="0"/>
+              <a:rPr lang="pt-BR" sz="1200" b="0" i="0" kern="1200" dirty="0" smtClean="0">
+                <a:solidFill>
+                  <a:schemeClr val="tx1"/>
+                </a:solidFill>
+                <a:effectLst/>
+                <a:latin typeface="+mn-lt"/>
+                <a:ea typeface="+mn-ea"/>
+                <a:cs typeface="+mn-cs"/>
+              </a:rPr>
+              <a:t>Esta funcionalidade permite que você execute várias consultas HQL /</a:t>
+            </a:r>
+            <a:r>
+              <a:rPr lang="pt-BR" sz="1200" b="0" i="0" kern="1200" baseline="0" dirty="0" smtClean="0">
+                <a:solidFill>
+                  <a:schemeClr val="tx1"/>
+                </a:solidFill>
+                <a:effectLst/>
+                <a:latin typeface="+mn-lt"/>
+                <a:ea typeface="+mn-ea"/>
+                <a:cs typeface="+mn-cs"/>
+              </a:rPr>
+              <a:t> SQL</a:t>
+            </a:r>
+            <a:r>
+              <a:rPr lang="pt-BR" sz="1200" b="0" i="0" kern="1200" dirty="0" smtClean="0">
+                <a:solidFill>
+                  <a:schemeClr val="tx1"/>
+                </a:solidFill>
+                <a:effectLst/>
+                <a:latin typeface="+mn-lt"/>
+                <a:ea typeface="+mn-ea"/>
+                <a:cs typeface="+mn-cs"/>
+              </a:rPr>
+              <a:t> em uma de ida e volta contra o servidor de banco de dados. </a:t>
+            </a:r>
+          </a:p>
+          <a:p>
+            <a:endParaRPr lang="pt-BR" sz="1200" b="0" i="0" kern="1200" dirty="0" smtClean="0">
+              <a:solidFill>
+                <a:schemeClr val="tx1"/>
+              </a:solidFill>
+              <a:effectLst/>
+              <a:latin typeface="+mn-lt"/>
+              <a:ea typeface="+mn-ea"/>
+              <a:cs typeface="+mn-cs"/>
+            </a:endParaRPr>
+          </a:p>
+          <a:p>
+            <a:r>
+              <a:rPr lang="pt-BR" sz="1200" b="0" i="0" kern="1200" dirty="0" smtClean="0">
+                <a:solidFill>
+                  <a:schemeClr val="tx1"/>
+                </a:solidFill>
+                <a:effectLst/>
+                <a:latin typeface="+mn-lt"/>
+                <a:ea typeface="+mn-ea"/>
+                <a:cs typeface="+mn-cs"/>
+              </a:rPr>
+              <a:t>Um caso de uso simples é executar uma consulta paginada ao mesmo tempo, recebendo a contagem total de resultados, em uma única viagem de ida e volta. </a:t>
+            </a:r>
+            <a:endParaRPr lang="pt-BR" sz="1200" b="0" i="0" kern="1200" dirty="0" smtClean="0">
+              <a:solidFill>
+                <a:schemeClr val="tx1"/>
+              </a:solidFill>
+              <a:effectLst/>
+              <a:latin typeface="+mn-lt"/>
+              <a:ea typeface="+mn-ea"/>
+              <a:cs typeface="+mn-cs"/>
+            </a:endParaRPr>
+          </a:p>
+          <a:p>
+            <a:endParaRPr lang="pt-BR" sz="1200" b="0" i="0" kern="1200" dirty="0" smtClean="0">
+              <a:solidFill>
+                <a:schemeClr val="tx1"/>
+              </a:solidFill>
+              <a:effectLst/>
+              <a:latin typeface="+mn-lt"/>
+              <a:ea typeface="+mn-ea"/>
+              <a:cs typeface="+mn-cs"/>
+            </a:endParaRPr>
+          </a:p>
+          <a:p>
+            <a:r>
+              <a:rPr lang="pt-BR" sz="1200" b="0" i="0" kern="1200" dirty="0" smtClean="0">
+                <a:solidFill>
+                  <a:schemeClr val="tx1"/>
+                </a:solidFill>
+                <a:effectLst/>
+                <a:latin typeface="+mn-lt"/>
+                <a:ea typeface="+mn-ea"/>
+                <a:cs typeface="+mn-cs"/>
+              </a:rPr>
+              <a:t>Demo na classe </a:t>
+            </a:r>
+            <a:r>
+              <a:rPr lang="pt-BR" sz="1200" b="1" kern="1200" dirty="0" err="1" smtClean="0">
+                <a:solidFill>
+                  <a:schemeClr val="tx1"/>
+                </a:solidFill>
+                <a:latin typeface="+mn-lt"/>
+                <a:ea typeface="+mn-ea"/>
+                <a:cs typeface="+mn-cs"/>
+              </a:rPr>
+              <a:t>MuiltCommandTest</a:t>
+            </a:r>
+            <a:endParaRPr lang="pt-BR" sz="1200" b="1" i="0" kern="1200" dirty="0" smtClean="0">
+              <a:solidFill>
+                <a:schemeClr val="tx1"/>
+              </a:solidFill>
+              <a:effectLst/>
+              <a:latin typeface="+mn-lt"/>
+              <a:ea typeface="+mn-ea"/>
+              <a:cs typeface="+mn-cs"/>
+            </a:endParaRPr>
+          </a:p>
+          <a:p>
+            <a:endParaRPr lang="pt-BR" sz="1200" b="0" i="0" kern="1200" dirty="0" smtClean="0">
+              <a:solidFill>
+                <a:schemeClr val="tx1"/>
+              </a:solidFill>
+              <a:effectLst/>
+              <a:latin typeface="+mn-lt"/>
+              <a:ea typeface="+mn-ea"/>
+              <a:cs typeface="+mn-cs"/>
+            </a:endParaRPr>
           </a:p>
         </p:txBody>
       </p:sp>
@@ -969,7 +1092,7 @@
     </p:spTree>
     <p:extLst>
       <p:ext uri="{BB962C8B-B14F-4D97-AF65-F5344CB8AC3E}">
-        <p14:creationId xmlns:p14="http://schemas.microsoft.com/office/powerpoint/2010/main" val="2894661316"/>
+        <p14:creationId xmlns:p14="http://schemas.microsoft.com/office/powerpoint/2010/main" val="3664472225"/>
       </p:ext>
     </p:extLst>
   </p:cSld>
@@ -1023,78 +1146,130 @@
           <a:bodyPr/>
           <a:lstStyle/>
           <a:p>
-            <a:r>
-              <a:rPr lang="pt-BR" sz="1200" b="0" i="0" kern="1200" dirty="0" smtClean="0">
+            <a:pPr marL="0" indent="0">
+              <a:buFontTx/>
+              <a:buNone/>
+            </a:pPr>
+            <a:r>
+              <a:rPr lang="pt-BR" sz="1200" kern="1200" dirty="0" smtClean="0">
                 <a:solidFill>
                   <a:schemeClr val="tx1"/>
                 </a:solidFill>
-                <a:effectLst/>
                 <a:latin typeface="+mn-lt"/>
                 <a:ea typeface="+mn-ea"/>
                 <a:cs typeface="+mn-cs"/>
               </a:rPr>
-              <a:t>Esta funcionalidade permite que você execute várias consultas HQL /</a:t>
-            </a:r>
-            <a:r>
-              <a:rPr lang="pt-BR" sz="1200" b="0" i="0" kern="1200" baseline="0" dirty="0" smtClean="0">
+              <a:t>Executar</a:t>
+            </a:r>
+            <a:r>
+              <a:rPr lang="pt-BR" sz="1200" kern="1200" baseline="0" dirty="0" smtClean="0">
                 <a:solidFill>
                   <a:schemeClr val="tx1"/>
                 </a:solidFill>
-                <a:effectLst/>
                 <a:latin typeface="+mn-lt"/>
                 <a:ea typeface="+mn-ea"/>
                 <a:cs typeface="+mn-cs"/>
               </a:rPr>
-              <a:t> SQL</a:t>
-            </a:r>
-            <a:r>
-              <a:rPr lang="pt-BR" sz="1200" b="0" i="0" kern="1200" dirty="0" smtClean="0">
+              <a:t> todos os teste da pasta</a:t>
+            </a:r>
+            <a:r>
+              <a:rPr lang="pt-BR" sz="1200" kern="1200" dirty="0" smtClean="0">
                 <a:solidFill>
                   <a:schemeClr val="tx1"/>
                 </a:solidFill>
-                <a:effectLst/>
                 <a:latin typeface="+mn-lt"/>
                 <a:ea typeface="+mn-ea"/>
                 <a:cs typeface="+mn-cs"/>
               </a:rPr>
-              <a:t> em uma de ida e volta contra o servidor de banco de dados. </a:t>
-            </a:r>
-          </a:p>
-          <a:p>
-            <a:endParaRPr lang="pt-BR" sz="1200" b="0" i="0" kern="1200" dirty="0" smtClean="0">
+              <a:t> Crowdlearning.Demo3</a:t>
+            </a:r>
+          </a:p>
+          <a:p>
+            <a:pPr marL="0" indent="0">
+              <a:buFontTx/>
+              <a:buNone/>
+            </a:pPr>
+            <a:endParaRPr lang="pt-BR" sz="1200" kern="1200" dirty="0" smtClean="0">
               <a:solidFill>
                 <a:schemeClr val="tx1"/>
               </a:solidFill>
-              <a:effectLst/>
               <a:latin typeface="+mn-lt"/>
               <a:ea typeface="+mn-ea"/>
               <a:cs typeface="+mn-cs"/>
             </a:endParaRPr>
           </a:p>
           <a:p>
-            <a:r>
-              <a:rPr lang="pt-BR" sz="1200" b="0" i="0" kern="1200" dirty="0" smtClean="0">
+            <a:pPr marL="0" indent="0">
+              <a:buFontTx/>
+              <a:buNone/>
+            </a:pPr>
+            <a:r>
+              <a:rPr lang="pt-BR" sz="1200" kern="1200" dirty="0" smtClean="0">
                 <a:solidFill>
                   <a:schemeClr val="tx1"/>
                 </a:solidFill>
-                <a:effectLst/>
                 <a:latin typeface="+mn-lt"/>
                 <a:ea typeface="+mn-ea"/>
                 <a:cs typeface="+mn-cs"/>
               </a:rPr>
-              <a:t>Um caso de uso simples é executar uma consulta paginada ao mesmo tempo, recebendo a contagem total de resultados, em uma única viagem de ida e volta. </a:t>
-            </a:r>
-          </a:p>
-          <a:p>
-            <a:endParaRPr lang="pt-BR" sz="1200" b="0" i="0" kern="1200" dirty="0" smtClean="0">
-              <a:solidFill>
-                <a:schemeClr val="tx1"/>
-              </a:solidFill>
-              <a:effectLst/>
-              <a:latin typeface="+mn-lt"/>
-              <a:ea typeface="+mn-ea"/>
-              <a:cs typeface="+mn-cs"/>
-            </a:endParaRPr>
+              <a:t>Para </a:t>
+            </a:r>
+            <a:r>
+              <a:rPr lang="pt-BR" sz="1200" kern="1200" dirty="0" err="1" smtClean="0">
+                <a:solidFill>
+                  <a:schemeClr val="tx1"/>
+                </a:solidFill>
+                <a:latin typeface="+mn-lt"/>
+                <a:ea typeface="+mn-ea"/>
+                <a:cs typeface="+mn-cs"/>
+              </a:rPr>
+              <a:t>ciração</a:t>
+            </a:r>
+            <a:r>
+              <a:rPr lang="pt-BR" sz="1200" kern="1200" dirty="0" smtClean="0">
+                <a:solidFill>
+                  <a:schemeClr val="tx1"/>
+                </a:solidFill>
+                <a:latin typeface="+mn-lt"/>
+                <a:ea typeface="+mn-ea"/>
+                <a:cs typeface="+mn-cs"/>
+              </a:rPr>
+              <a:t> do banco de dados o teste </a:t>
+            </a:r>
+            <a:r>
+              <a:rPr lang="pt-BR" sz="1200" b="1" kern="1200" dirty="0" err="1" smtClean="0">
+                <a:solidFill>
+                  <a:schemeClr val="tx1"/>
+                </a:solidFill>
+                <a:latin typeface="+mn-lt"/>
+                <a:ea typeface="+mn-ea"/>
+                <a:cs typeface="+mn-cs"/>
+              </a:rPr>
+              <a:t>CreateTablesForModelMapping</a:t>
+            </a:r>
+            <a:r>
+              <a:rPr lang="pt-BR" sz="1200" b="0" kern="1200" dirty="0" smtClean="0">
+                <a:solidFill>
+                  <a:schemeClr val="tx1"/>
+                </a:solidFill>
+                <a:latin typeface="+mn-lt"/>
+                <a:ea typeface="+mn-ea"/>
+                <a:cs typeface="+mn-cs"/>
+              </a:rPr>
+              <a:t> da classe </a:t>
+            </a:r>
+            <a:r>
+              <a:rPr lang="pt-BR" sz="1200" b="1" kern="1200" dirty="0" err="1" smtClean="0">
+                <a:solidFill>
+                  <a:schemeClr val="tx1"/>
+                </a:solidFill>
+                <a:latin typeface="+mn-lt"/>
+                <a:ea typeface="+mn-ea"/>
+                <a:cs typeface="+mn-cs"/>
+              </a:rPr>
+              <a:t>Crowdlearning.Context</a:t>
+            </a:r>
+            <a:endParaRPr lang="pt-BR" b="1" dirty="0"/>
           </a:p>
         </p:txBody>
       </p:sp>
@@ -1124,7 +1299,7 @@
     </p:spTree>
     <p:extLst>
       <p:ext uri="{BB962C8B-B14F-4D97-AF65-F5344CB8AC3E}">
-        <p14:creationId xmlns:p14="http://schemas.microsoft.com/office/powerpoint/2010/main" val="3664472225"/>
+        <p14:creationId xmlns:p14="http://schemas.microsoft.com/office/powerpoint/2010/main" val="2966098544"/>
       </p:ext>
     </p:extLst>
   </p:cSld>
@@ -1135,94 +1310,6 @@
 </file>
 
 <file path=ppt/notesSlides/notesSlide13.xml><?xml version="1.0" encoding="utf-8"?>
-<p:notes xmlns:a="http://schemas.openxmlformats.org/drawingml/2006/main" xmlns:r="http://schemas.openxmlformats.org/officeDocument/2006/relationships" xmlns:p="http://schemas.openxmlformats.org/presentationml/2006/main">
-  <p:cSld>
-    <p:spTree>
-      <p:nvGrpSpPr>
-        <p:cNvPr id="1" name=""/>
-        <p:cNvGrpSpPr/>
-        <p:nvPr/>
-      </p:nvGrpSpPr>
-      <p:grpSpPr>
-        <a:xfrm>
-          <a:off x="0" y="0"/>
-          <a:ext cx="0" cy="0"/>
-          <a:chOff x="0" y="0"/>
-          <a:chExt cx="0" cy="0"/>
-        </a:xfrm>
-      </p:grpSpPr>
-      <p:sp>
-        <p:nvSpPr>
-          <p:cNvPr id="2" name="Espaço Reservado para Imagem de Slide 1"/>
-          <p:cNvSpPr>
-            <a:spLocks noGrp="1" noRot="1" noChangeAspect="1"/>
-          </p:cNvSpPr>
-          <p:nvPr>
-            <p:ph type="sldImg"/>
-          </p:nvPr>
-        </p:nvSpPr>
-        <p:spPr/>
-      </p:sp>
-      <p:sp>
-        <p:nvSpPr>
-          <p:cNvPr id="3" name="Espaço Reservado para Anotações 2"/>
-          <p:cNvSpPr>
-            <a:spLocks noGrp="1"/>
-          </p:cNvSpPr>
-          <p:nvPr>
-            <p:ph type="body" idx="1"/>
-          </p:nvPr>
-        </p:nvSpPr>
-        <p:spPr/>
-        <p:txBody>
-          <a:bodyPr/>
-          <a:lstStyle/>
-          <a:p>
-            <a:pPr marL="171450" indent="-171450">
-              <a:buFontTx/>
-              <a:buChar char="-"/>
-            </a:pPr>
-            <a:endParaRPr lang="pt-BR" dirty="0"/>
-          </a:p>
-        </p:txBody>
-      </p:sp>
-      <p:sp>
-        <p:nvSpPr>
-          <p:cNvPr id="4" name="Espaço Reservado para Número de Slide 3"/>
-          <p:cNvSpPr>
-            <a:spLocks noGrp="1"/>
-          </p:cNvSpPr>
-          <p:nvPr>
-            <p:ph type="sldNum" sz="quarter" idx="10"/>
-          </p:nvPr>
-        </p:nvSpPr>
-        <p:spPr/>
-        <p:txBody>
-          <a:bodyPr/>
-          <a:lstStyle/>
-          <a:p>
-            <a:fld id="{7FB667E1-E601-4AAF-B95C-B25720D70A60}" type="slidenum">
-              <a:rPr lang="pt-BR" smtClean="0"/>
-              <a:t>13</a:t>
-            </a:fld>
-            <a:endParaRPr lang="pt-BR"/>
-          </a:p>
-        </p:txBody>
-      </p:sp>
-    </p:spTree>
-    <p:extLst>
-      <p:ext uri="{BB962C8B-B14F-4D97-AF65-F5344CB8AC3E}">
-        <p14:creationId xmlns:p14="http://schemas.microsoft.com/office/powerpoint/2010/main" val="2966098544"/>
-      </p:ext>
-    </p:extLst>
-  </p:cSld>
-  <p:clrMapOvr>
-    <a:masterClrMapping/>
-  </p:clrMapOvr>
-</p:notes>
-</file>
-
-<file path=ppt/notesSlides/notesSlide14.xml><?xml version="1.0" encoding="utf-8"?>
 <p:notes xmlns:a="http://schemas.openxmlformats.org/drawingml/2006/main" xmlns:r="http://schemas.openxmlformats.org/officeDocument/2006/relationships" xmlns:p="http://schemas.openxmlformats.org/presentationml/2006/main">
   <p:cSld>
     <p:spTree>
@@ -1295,7 +1382,7 @@
           <a:p>
             <a:fld id="{7FB667E1-E601-4AAF-B95C-B25720D70A60}" type="slidenum">
               <a:rPr lang="en-US" smtClean="0"/>
-              <a:t>14</a:t>
+              <a:t>13</a:t>
             </a:fld>
             <a:endParaRPr lang="en-US"/>
           </a:p>
@@ -1619,7 +1706,7 @@
           </a:p>
           <a:p>
             <a:r>
-              <a:rPr lang="pt-BR" sz="1200" b="0" i="0" kern="1200" dirty="0" smtClean="0">
+              <a:rPr lang="pt-BR" sz="1200" b="1" i="0" kern="1200" dirty="0" smtClean="0">
                 <a:solidFill>
                   <a:schemeClr val="tx1"/>
                 </a:solidFill>
@@ -1628,10 +1715,10 @@
                 <a:ea typeface="+mn-ea"/>
                 <a:cs typeface="+mn-cs"/>
               </a:rPr>
-              <a:t>Exemplo:</a:t>
-            </a:r>
-            <a:r>
-              <a:rPr lang="pt-BR" sz="1200" b="0" i="0" kern="1200" baseline="0" dirty="0" smtClean="0">
+              <a:t>Demo</a:t>
+            </a:r>
+            <a:r>
+              <a:rPr lang="pt-BR" sz="1200" b="0" i="0" kern="1200" dirty="0" smtClean="0">
                 <a:solidFill>
                   <a:schemeClr val="tx1"/>
                 </a:solidFill>
@@ -1640,10 +1727,10 @@
                 <a:ea typeface="+mn-ea"/>
                 <a:cs typeface="+mn-cs"/>
               </a:rPr>
-              <a:t>  </a:t>
-            </a:r>
-            <a:r>
-              <a:rPr lang="pt-BR" sz="1200" b="0" i="0" kern="1200" baseline="0" dirty="0" err="1" smtClean="0">
+              <a:t>:</a:t>
+            </a:r>
+            <a:r>
+              <a:rPr lang="pt-BR" sz="1200" b="0" i="0" kern="1200" baseline="0" dirty="0" smtClean="0">
                 <a:solidFill>
                   <a:schemeClr val="tx1"/>
                 </a:solidFill>
@@ -1652,7 +1739,77 @@
                 <a:ea typeface="+mn-ea"/>
                 <a:cs typeface="+mn-cs"/>
               </a:rPr>
-              <a:t>ValidateTest</a:t>
+              <a:t> Ver os testes da classe </a:t>
+            </a:r>
+            <a:endParaRPr lang="pt-BR" sz="1200" kern="1200" dirty="0" smtClean="0">
+              <a:solidFill>
+                <a:schemeClr val="tx1"/>
+              </a:solidFill>
+              <a:latin typeface="+mn-lt"/>
+              <a:ea typeface="+mn-ea"/>
+              <a:cs typeface="+mn-cs"/>
+            </a:endParaRPr>
+          </a:p>
+          <a:p>
+            <a:r>
+              <a:rPr lang="pt-BR" sz="1200" kern="1200" dirty="0" smtClean="0">
+                <a:solidFill>
+                  <a:schemeClr val="tx1"/>
+                </a:solidFill>
+                <a:latin typeface="+mn-lt"/>
+                <a:ea typeface="+mn-ea"/>
+                <a:cs typeface="+mn-cs"/>
+              </a:rPr>
+              <a:t>Crowdlearning.Demo3.</a:t>
+            </a:r>
+            <a:r>
+              <a:rPr lang="pt-BR" sz="1200" b="0" i="0" kern="1200" baseline="0" dirty="0" smtClean="0">
+                <a:solidFill>
+                  <a:schemeClr val="tx1"/>
+                </a:solidFill>
+                <a:effectLst/>
+                <a:latin typeface="+mn-lt"/>
+                <a:ea typeface="+mn-ea"/>
+                <a:cs typeface="+mn-cs"/>
+              </a:rPr>
+              <a:t>CallbacksTest</a:t>
+            </a:r>
+          </a:p>
+          <a:p>
+            <a:endParaRPr lang="pt-BR" dirty="0" smtClean="0"/>
+          </a:p>
+          <a:p>
+            <a:r>
+              <a:rPr lang="pt-BR" dirty="0" smtClean="0"/>
+              <a:t>Implementação de </a:t>
+            </a:r>
+            <a:r>
+              <a:rPr lang="pt-BR" dirty="0" err="1" smtClean="0"/>
+              <a:t>Callbacks</a:t>
+            </a:r>
+            <a:r>
+              <a:rPr lang="pt-BR" dirty="0" smtClean="0"/>
+              <a:t> </a:t>
+            </a:r>
+            <a:r>
+              <a:rPr lang="pt-BR" dirty="0" err="1" smtClean="0"/>
+              <a:t>lifecycle</a:t>
+            </a:r>
+            <a:r>
+              <a:rPr lang="pt-BR" dirty="0" smtClean="0"/>
+              <a:t> nas classes</a:t>
+            </a:r>
+            <a:r>
+              <a:rPr lang="pt-BR" baseline="0" dirty="0" smtClean="0"/>
+              <a:t> de Empresa e </a:t>
+            </a:r>
+            <a:r>
+              <a:rPr lang="pt-BR" baseline="0" dirty="0" err="1" smtClean="0"/>
+              <a:t>Validatable</a:t>
+            </a:r>
+            <a:r>
+              <a:rPr lang="pt-BR" baseline="0" dirty="0" smtClean="0"/>
+              <a:t> na classe de Pais</a:t>
             </a:r>
             <a:endParaRPr lang="pt-BR" dirty="0"/>
           </a:p>
@@ -1780,7 +1937,124 @@
               <a:rPr lang="pt-BR" baseline="0" dirty="0" smtClean="0"/>
               <a:t>Todos os filtro por padrão são desabilitados. </a:t>
             </a:r>
-            <a:endParaRPr lang="pt-BR" dirty="0"/>
+            <a:endParaRPr lang="pt-BR" baseline="0" dirty="0" smtClean="0"/>
+          </a:p>
+          <a:p>
+            <a:endParaRPr lang="pt-BR" baseline="0" dirty="0" smtClean="0"/>
+          </a:p>
+          <a:p>
+            <a:r>
+              <a:rPr lang="pt-BR" b="1" baseline="0" dirty="0" smtClean="0"/>
+              <a:t>Demo: </a:t>
+            </a:r>
+            <a:endParaRPr lang="pt-BR" b="0" baseline="0" dirty="0" smtClean="0"/>
+          </a:p>
+          <a:p>
+            <a:endParaRPr lang="pt-BR" b="0" baseline="0" dirty="0" smtClean="0"/>
+          </a:p>
+          <a:p>
+            <a:r>
+              <a:rPr lang="pt-BR" b="0" baseline="0" dirty="0" smtClean="0"/>
+              <a:t>Classe </a:t>
+            </a:r>
+            <a:r>
+              <a:rPr lang="pt-BR" sz="1200" kern="1200" dirty="0" smtClean="0">
+                <a:solidFill>
+                  <a:schemeClr val="tx1"/>
+                </a:solidFill>
+                <a:latin typeface="+mn-lt"/>
+                <a:ea typeface="+mn-ea"/>
+                <a:cs typeface="+mn-cs"/>
+              </a:rPr>
+              <a:t> Crowdlearning.Demo3. </a:t>
+            </a:r>
+            <a:r>
+              <a:rPr lang="pt-BR" sz="1200" kern="1200" dirty="0" err="1" smtClean="0">
+                <a:solidFill>
+                  <a:schemeClr val="tx1"/>
+                </a:solidFill>
+                <a:latin typeface="+mn-lt"/>
+                <a:ea typeface="+mn-ea"/>
+                <a:cs typeface="+mn-cs"/>
+              </a:rPr>
+              <a:t>FiltroAutomatico</a:t>
+            </a:r>
+            <a:endParaRPr lang="pt-BR" sz="1200" kern="1200" dirty="0" smtClean="0">
+              <a:solidFill>
+                <a:schemeClr val="tx1"/>
+              </a:solidFill>
+              <a:latin typeface="+mn-lt"/>
+              <a:ea typeface="+mn-ea"/>
+              <a:cs typeface="+mn-cs"/>
+            </a:endParaRPr>
+          </a:p>
+          <a:p>
+            <a:endParaRPr lang="pt-BR" sz="1200" b="1" kern="1200" dirty="0" smtClean="0">
+              <a:solidFill>
+                <a:schemeClr val="tx1"/>
+              </a:solidFill>
+              <a:latin typeface="+mn-lt"/>
+              <a:ea typeface="+mn-ea"/>
+              <a:cs typeface="+mn-cs"/>
+            </a:endParaRPr>
+          </a:p>
+          <a:p>
+            <a:r>
+              <a:rPr lang="pt-BR" sz="1200" b="0" u="sng" kern="1200" dirty="0" smtClean="0">
+                <a:solidFill>
+                  <a:schemeClr val="tx1"/>
+                </a:solidFill>
+                <a:latin typeface="+mn-lt"/>
+                <a:ea typeface="+mn-ea"/>
+                <a:cs typeface="+mn-cs"/>
+              </a:rPr>
+              <a:t>Definição</a:t>
+            </a:r>
+            <a:r>
+              <a:rPr lang="pt-BR" sz="1200" b="0" u="sng" kern="1200" baseline="0" dirty="0" smtClean="0">
+                <a:solidFill>
+                  <a:schemeClr val="tx1"/>
+                </a:solidFill>
+                <a:latin typeface="+mn-lt"/>
+                <a:ea typeface="+mn-ea"/>
+                <a:cs typeface="+mn-cs"/>
+              </a:rPr>
+              <a:t> do filtro na classe </a:t>
+            </a:r>
+            <a:r>
+              <a:rPr lang="pt-BR" sz="1200" b="0" u="sng" kern="1200" baseline="0" dirty="0" err="1" smtClean="0">
+                <a:solidFill>
+                  <a:schemeClr val="tx1"/>
+                </a:solidFill>
+                <a:latin typeface="+mn-lt"/>
+                <a:ea typeface="+mn-ea"/>
+                <a:cs typeface="+mn-cs"/>
+              </a:rPr>
+              <a:t>EmpresaMap</a:t>
+            </a:r>
+            <a:r>
+              <a:rPr lang="pt-BR" sz="1200" b="0" u="sng" kern="1200" baseline="0" dirty="0" smtClean="0">
+                <a:solidFill>
+                  <a:schemeClr val="tx1"/>
+                </a:solidFill>
+                <a:latin typeface="+mn-lt"/>
+                <a:ea typeface="+mn-ea"/>
+                <a:cs typeface="+mn-cs"/>
+              </a:rPr>
+              <a:t> e </a:t>
+            </a:r>
+            <a:r>
+              <a:rPr lang="pt-BR" sz="1200" b="0" u="sng" kern="1200" baseline="0" dirty="0" err="1" smtClean="0">
+                <a:solidFill>
+                  <a:schemeClr val="tx1"/>
+                </a:solidFill>
+                <a:latin typeface="+mn-lt"/>
+                <a:ea typeface="+mn-ea"/>
+                <a:cs typeface="+mn-cs"/>
+              </a:rPr>
+              <a:t>DocumentoMap</a:t>
+            </a:r>
+            <a:endParaRPr lang="pt-BR" b="0" u="sng" dirty="0"/>
           </a:p>
         </p:txBody>
       </p:sp>
@@ -1864,71 +2138,336 @@
           <a:bodyPr/>
           <a:lstStyle/>
           <a:p>
-            <a:pPr marL="171450" indent="-171450">
-              <a:buFontTx/>
-              <a:buChar char="-"/>
-            </a:pPr>
+            <a:r>
+              <a:rPr lang="pt-BR" sz="1200" b="0" i="0" kern="1200" dirty="0" smtClean="0">
+                <a:solidFill>
+                  <a:schemeClr val="tx1"/>
+                </a:solidFill>
+                <a:effectLst/>
+                <a:latin typeface="+mn-lt"/>
+                <a:ea typeface="+mn-ea"/>
+                <a:cs typeface="+mn-cs"/>
+              </a:rPr>
+              <a:t>Imagine que você tem a seguinte situação em tempo de execução: você tem 25 </a:t>
+            </a:r>
             <a:r>
               <a:rPr lang="pt-BR" dirty="0" err="1" smtClean="0"/>
-              <a:t>Callbacks</a:t>
-            </a:r>
-            <a:r>
-              <a:rPr lang="pt-BR" baseline="0" dirty="0" smtClean="0"/>
+              <a:t>Cat</a:t>
+            </a:r>
+            <a:r>
+              <a:rPr lang="pt-BR" sz="1200" b="0" i="0" kern="1200" dirty="0" smtClean="0">
+                <a:solidFill>
+                  <a:schemeClr val="tx1"/>
+                </a:solidFill>
+                <a:effectLst/>
+                <a:latin typeface="+mn-lt"/>
+                <a:ea typeface="+mn-ea"/>
+                <a:cs typeface="+mn-cs"/>
+              </a:rPr>
+              <a:t> instâncias carregadas em um </a:t>
+            </a:r>
+            <a:r>
+              <a:rPr lang="pt-BR" dirty="0" err="1" smtClean="0"/>
+              <a:t>ISession</a:t>
+            </a:r>
+            <a:r>
+              <a:rPr lang="pt-BR" sz="1200" b="0" i="0" kern="1200" dirty="0" smtClean="0">
+                <a:solidFill>
+                  <a:schemeClr val="tx1"/>
+                </a:solidFill>
+                <a:effectLst/>
+                <a:latin typeface="+mn-lt"/>
+                <a:ea typeface="+mn-ea"/>
+                <a:cs typeface="+mn-cs"/>
+              </a:rPr>
+              <a:t> , cada </a:t>
+            </a:r>
+            <a:r>
+              <a:rPr lang="pt-BR" dirty="0" err="1" smtClean="0"/>
+              <a:t>Cat</a:t>
+            </a:r>
+            <a:r>
+              <a:rPr lang="pt-BR" sz="1200" b="0" i="0" kern="1200" dirty="0" smtClean="0">
+                <a:solidFill>
+                  <a:schemeClr val="tx1"/>
+                </a:solidFill>
+                <a:effectLst/>
+                <a:latin typeface="+mn-lt"/>
+                <a:ea typeface="+mn-ea"/>
+                <a:cs typeface="+mn-cs"/>
+              </a:rPr>
+              <a:t> possui uma referência ao seu </a:t>
+            </a:r>
+            <a:r>
+              <a:rPr lang="pt-BR" dirty="0" smtClean="0"/>
+              <a:t>proprietário</a:t>
+            </a:r>
+            <a:r>
+              <a:rPr lang="pt-BR" sz="1200" b="0" i="0" kern="1200" dirty="0" smtClean="0">
+                <a:solidFill>
+                  <a:schemeClr val="tx1"/>
+                </a:solidFill>
+                <a:effectLst/>
+                <a:latin typeface="+mn-lt"/>
+                <a:ea typeface="+mn-ea"/>
+                <a:cs typeface="+mn-cs"/>
+              </a:rPr>
+              <a:t> , uma </a:t>
+            </a:r>
+            <a:r>
+              <a:rPr lang="pt-BR" dirty="0" smtClean="0"/>
+              <a:t>Person</a:t>
+            </a:r>
+            <a:r>
+              <a:rPr lang="pt-BR" sz="1200" b="0" i="0" kern="1200" dirty="0" smtClean="0">
+                <a:solidFill>
+                  <a:schemeClr val="tx1"/>
+                </a:solidFill>
+                <a:effectLst/>
+                <a:latin typeface="+mn-lt"/>
+                <a:ea typeface="+mn-ea"/>
+                <a:cs typeface="+mn-cs"/>
+              </a:rPr>
+              <a:t> . Person classe é mapeada com um proxy, </a:t>
+            </a:r>
+            <a:r>
+              <a:rPr lang="pt-BR" dirty="0" err="1" smtClean="0"/>
+              <a:t>lazy</a:t>
+            </a:r>
+            <a:r>
+              <a:rPr lang="pt-BR" dirty="0" smtClean="0"/>
+              <a:t> = "</a:t>
+            </a:r>
+            <a:r>
+              <a:rPr lang="pt-BR" dirty="0" err="1" smtClean="0"/>
+              <a:t>true</a:t>
+            </a:r>
+            <a:r>
+              <a:rPr lang="pt-BR" dirty="0" smtClean="0"/>
+              <a:t>"</a:t>
+            </a:r>
+            <a:r>
+              <a:rPr lang="pt-BR" sz="1200" b="0" i="0" kern="1200" dirty="0" smtClean="0">
+                <a:solidFill>
+                  <a:schemeClr val="tx1"/>
+                </a:solidFill>
+                <a:effectLst/>
+                <a:latin typeface="+mn-lt"/>
+                <a:ea typeface="+mn-ea"/>
+                <a:cs typeface="+mn-cs"/>
+              </a:rPr>
+              <a:t> . Se você </a:t>
+            </a:r>
+            <a:r>
+              <a:rPr lang="pt-BR" sz="1200" b="0" i="0" kern="1200" dirty="0" err="1" smtClean="0">
+                <a:solidFill>
+                  <a:schemeClr val="tx1"/>
+                </a:solidFill>
+                <a:effectLst/>
+                <a:latin typeface="+mn-lt"/>
+                <a:ea typeface="+mn-ea"/>
+                <a:cs typeface="+mn-cs"/>
+              </a:rPr>
+              <a:t>interar</a:t>
+            </a:r>
+            <a:r>
+              <a:rPr lang="pt-BR" sz="1200" b="0" i="0" kern="1200" dirty="0" smtClean="0">
+                <a:solidFill>
+                  <a:schemeClr val="tx1"/>
+                </a:solidFill>
+                <a:effectLst/>
+                <a:latin typeface="+mn-lt"/>
+                <a:ea typeface="+mn-ea"/>
+                <a:cs typeface="+mn-cs"/>
+              </a:rPr>
+              <a:t> sobre todos os gatos e chamar </a:t>
+            </a:r>
+            <a:r>
+              <a:rPr lang="pt-BR" dirty="0" err="1" smtClean="0"/>
+              <a:t>cat.Owner</a:t>
+            </a:r>
+            <a:r>
+              <a:rPr lang="pt-BR" sz="1200" b="0" i="0" kern="1200" dirty="0" smtClean="0">
+                <a:solidFill>
+                  <a:schemeClr val="tx1"/>
+                </a:solidFill>
+                <a:effectLst/>
+                <a:latin typeface="+mn-lt"/>
+                <a:ea typeface="+mn-ea"/>
+                <a:cs typeface="+mn-cs"/>
+              </a:rPr>
+              <a:t> em cada um, NHibernate, por padrão executar 25 </a:t>
+            </a:r>
+            <a:r>
+              <a:rPr lang="pt-BR" dirty="0" smtClean="0"/>
+              <a:t>de SELECT</a:t>
+            </a:r>
+            <a:r>
+              <a:rPr lang="pt-BR" sz="1200" b="0" i="0" kern="1200" dirty="0" smtClean="0">
+                <a:solidFill>
+                  <a:schemeClr val="tx1"/>
+                </a:solidFill>
+                <a:effectLst/>
+                <a:latin typeface="+mn-lt"/>
+                <a:ea typeface="+mn-ea"/>
+                <a:cs typeface="+mn-cs"/>
+              </a:rPr>
+              <a:t> declarações, para recuperar os proxies de </a:t>
+            </a:r>
+            <a:r>
+              <a:rPr lang="pt-BR" sz="1200" b="0" i="0" kern="1200" dirty="0" err="1" smtClean="0">
+                <a:solidFill>
+                  <a:schemeClr val="tx1"/>
+                </a:solidFill>
+                <a:effectLst/>
+                <a:latin typeface="+mn-lt"/>
+                <a:ea typeface="+mn-ea"/>
+                <a:cs typeface="+mn-cs"/>
+              </a:rPr>
+              <a:t>owners</a:t>
+            </a:r>
+            <a:r>
+              <a:rPr lang="pt-BR" sz="1200" b="0" i="0" kern="1200" dirty="0" smtClean="0">
+                <a:solidFill>
+                  <a:schemeClr val="tx1"/>
+                </a:solidFill>
+                <a:effectLst/>
+                <a:latin typeface="+mn-lt"/>
+                <a:ea typeface="+mn-ea"/>
+                <a:cs typeface="+mn-cs"/>
+              </a:rPr>
+              <a:t>. Você pode melhorar esse comportamento especificando um </a:t>
+            </a:r>
+            <a:r>
+              <a:rPr lang="pt-BR" dirty="0" smtClean="0"/>
+              <a:t>batch-</a:t>
+            </a:r>
+            <a:r>
+              <a:rPr lang="pt-BR" dirty="0" err="1" smtClean="0"/>
+              <a:t>size</a:t>
+            </a:r>
+            <a:r>
+              <a:rPr lang="pt-BR" sz="1200" b="0" i="0" kern="1200" dirty="0" smtClean="0">
+                <a:solidFill>
+                  <a:schemeClr val="tx1"/>
+                </a:solidFill>
+                <a:effectLst/>
+                <a:latin typeface="+mn-lt"/>
+                <a:ea typeface="+mn-ea"/>
+                <a:cs typeface="+mn-cs"/>
+              </a:rPr>
+              <a:t> no mapeamento de </a:t>
+            </a:r>
+            <a:r>
+              <a:rPr lang="pt-BR" dirty="0" smtClean="0"/>
+              <a:t>Person.</a:t>
+            </a:r>
+          </a:p>
+          <a:p>
+            <a:endParaRPr lang="pt-BR" dirty="0" smtClean="0"/>
+          </a:p>
+          <a:p>
+            <a:r>
+              <a:rPr lang="pt-BR" b="1" dirty="0" smtClean="0"/>
+              <a:t>Demo</a:t>
+            </a:r>
+          </a:p>
+          <a:p>
+            <a:r>
+              <a:rPr lang="pt-BR" b="0" dirty="0" smtClean="0"/>
+              <a:t>Classe</a:t>
+            </a:r>
+            <a:r>
+              <a:rPr lang="pt-BR" b="0" baseline="0" dirty="0" smtClean="0"/>
               <a:t> </a:t>
             </a:r>
             <a:r>
-              <a:rPr lang="pt-BR" baseline="0" dirty="0" err="1" smtClean="0"/>
-              <a:t>Lifecycle</a:t>
-            </a:r>
-            <a:endParaRPr lang="pt-BR" baseline="0" dirty="0" smtClean="0"/>
-          </a:p>
-          <a:p>
-            <a:pPr marL="628650" lvl="1" indent="-171450">
-              <a:buFontTx/>
-              <a:buChar char="-"/>
-            </a:pPr>
-            <a:r>
-              <a:rPr lang="pt-BR" baseline="0" dirty="0" err="1" smtClean="0"/>
-              <a:t>Validation</a:t>
-            </a:r>
-            <a:r>
-              <a:rPr lang="pt-BR" baseline="0" dirty="0" smtClean="0"/>
-              <a:t> – Pais</a:t>
-            </a:r>
-          </a:p>
-          <a:p>
-            <a:pPr marL="628650" lvl="1" indent="-171450">
-              <a:buFontTx/>
-              <a:buChar char="-"/>
-            </a:pPr>
-            <a:endParaRPr lang="pt-BR" baseline="0" dirty="0" smtClean="0"/>
-          </a:p>
-          <a:p>
-            <a:pPr marL="628650" lvl="1" indent="-171450">
-              <a:buFontTx/>
-              <a:buChar char="-"/>
-            </a:pPr>
-            <a:r>
-              <a:rPr lang="pt-BR" baseline="0" dirty="0" smtClean="0"/>
-              <a:t>Empresa – Ativa</a:t>
-            </a:r>
-          </a:p>
-          <a:p>
-            <a:pPr marL="171450" lvl="0" indent="-171450">
-              <a:buFontTx/>
-              <a:buChar char="-"/>
-            </a:pPr>
-            <a:endParaRPr lang="pt-BR" baseline="0" dirty="0" smtClean="0"/>
-          </a:p>
-          <a:p>
-            <a:pPr marL="171450" lvl="0" indent="-171450">
-              <a:buFontTx/>
-              <a:buChar char="-"/>
-            </a:pPr>
-            <a:r>
-              <a:rPr lang="pt-BR" baseline="0" dirty="0" smtClean="0"/>
-              <a:t>Filtro Empresa Ativa, Empresa corrente em documentos.</a:t>
-            </a:r>
+              <a:rPr lang="pt-BR" sz="1200" kern="1200" dirty="0" err="1" smtClean="0">
+                <a:solidFill>
+                  <a:schemeClr val="tx1"/>
+                </a:solidFill>
+                <a:latin typeface="+mn-lt"/>
+                <a:ea typeface="+mn-ea"/>
+                <a:cs typeface="+mn-cs"/>
+              </a:rPr>
+              <a:t>BuscandoEmLoteTest</a:t>
+            </a:r>
+            <a:endParaRPr lang="pt-BR" sz="1200" kern="1200" dirty="0" smtClean="0">
+              <a:solidFill>
+                <a:schemeClr val="tx1"/>
+              </a:solidFill>
+              <a:latin typeface="+mn-lt"/>
+              <a:ea typeface="+mn-ea"/>
+              <a:cs typeface="+mn-cs"/>
+            </a:endParaRPr>
+          </a:p>
+          <a:p>
+            <a:endParaRPr lang="pt-BR" sz="1200" b="0" kern="1200" dirty="0" smtClean="0">
+              <a:solidFill>
+                <a:schemeClr val="tx1"/>
+              </a:solidFill>
+              <a:latin typeface="+mn-lt"/>
+              <a:ea typeface="+mn-ea"/>
+              <a:cs typeface="+mn-cs"/>
+            </a:endParaRPr>
+          </a:p>
+          <a:p>
+            <a:r>
+              <a:rPr lang="pt-BR" sz="1200" b="0" kern="1200" dirty="0" smtClean="0">
+                <a:solidFill>
+                  <a:schemeClr val="tx1"/>
+                </a:solidFill>
+                <a:latin typeface="+mn-lt"/>
+                <a:ea typeface="+mn-ea"/>
+                <a:cs typeface="+mn-cs"/>
+              </a:rPr>
+              <a:t>Alterar as configurações</a:t>
+            </a:r>
+            <a:r>
+              <a:rPr lang="pt-BR" sz="1200" b="0" kern="1200" baseline="0" dirty="0" smtClean="0">
+                <a:solidFill>
+                  <a:schemeClr val="tx1"/>
+                </a:solidFill>
+                <a:latin typeface="+mn-lt"/>
+                <a:ea typeface="+mn-ea"/>
+                <a:cs typeface="+mn-cs"/>
+              </a:rPr>
+              <a:t> da classe </a:t>
+            </a:r>
+            <a:r>
+              <a:rPr lang="pt-BR" sz="1200" b="0" kern="1200" baseline="0" dirty="0" err="1" smtClean="0">
+                <a:solidFill>
+                  <a:schemeClr val="tx1"/>
+                </a:solidFill>
+                <a:latin typeface="+mn-lt"/>
+                <a:ea typeface="+mn-ea"/>
+                <a:cs typeface="+mn-cs"/>
+              </a:rPr>
+              <a:t>EstadoMap</a:t>
+            </a:r>
+            <a:r>
+              <a:rPr lang="pt-BR" sz="1200" b="0" kern="1200" baseline="0" dirty="0" smtClean="0">
+                <a:solidFill>
+                  <a:schemeClr val="tx1"/>
+                </a:solidFill>
+                <a:latin typeface="+mn-lt"/>
+                <a:ea typeface="+mn-ea"/>
+                <a:cs typeface="+mn-cs"/>
+              </a:rPr>
+              <a:t> // :TODO </a:t>
+            </a:r>
+            <a:r>
+              <a:rPr lang="pt-BR" sz="1200" b="0" kern="1200" baseline="0" dirty="0" err="1" smtClean="0">
+                <a:solidFill>
+                  <a:schemeClr val="tx1"/>
+                </a:solidFill>
+                <a:latin typeface="+mn-lt"/>
+                <a:ea typeface="+mn-ea"/>
+                <a:cs typeface="+mn-cs"/>
+              </a:rPr>
+              <a:t>BuscandoEmLote</a:t>
+            </a:r>
+            <a:endParaRPr lang="pt-BR" b="0" dirty="0"/>
           </a:p>
         </p:txBody>
       </p:sp>
@@ -1958,7 +2497,7 @@
     </p:spTree>
     <p:extLst>
       <p:ext uri="{BB962C8B-B14F-4D97-AF65-F5344CB8AC3E}">
-        <p14:creationId xmlns:p14="http://schemas.microsoft.com/office/powerpoint/2010/main" val="2921198774"/>
+        <p14:creationId xmlns:p14="http://schemas.microsoft.com/office/powerpoint/2010/main" val="1287648485"/>
       </p:ext>
     </p:extLst>
   </p:cSld>
@@ -2012,238 +2551,26 @@
           <a:bodyPr/>
           <a:lstStyle/>
           <a:p>
-            <a:r>
-              <a:rPr lang="pt-BR" sz="1200" b="0" i="0" kern="1200" dirty="0" smtClean="0">
+            <a:endParaRPr lang="pt-BR" dirty="0" smtClean="0"/>
+          </a:p>
+          <a:p>
+            <a:endParaRPr lang="pt-BR" dirty="0" smtClean="0"/>
+          </a:p>
+          <a:p>
+            <a:r>
+              <a:rPr lang="pt-BR" dirty="0" smtClean="0"/>
+              <a:t>Demo na classe </a:t>
+            </a:r>
+            <a:r>
+              <a:rPr lang="pt-BR" sz="1200" kern="1200" dirty="0" smtClean="0">
                 <a:solidFill>
                   <a:schemeClr val="tx1"/>
                 </a:solidFill>
-                <a:effectLst/>
                 <a:latin typeface="+mn-lt"/>
                 <a:ea typeface="+mn-ea"/>
                 <a:cs typeface="+mn-cs"/>
               </a:rPr>
-              <a:t>Imagine que você tem a seguinte situação em tempo de execução: você tem 25 </a:t>
-            </a:r>
-            <a:r>
-              <a:rPr lang="pt-BR" dirty="0" err="1" smtClean="0"/>
-              <a:t>Cat</a:t>
-            </a:r>
-            <a:r>
-              <a:rPr lang="pt-BR" sz="1200" b="0" i="0" kern="1200" dirty="0" smtClean="0">
-                <a:solidFill>
-                  <a:schemeClr val="tx1"/>
-                </a:solidFill>
-                <a:effectLst/>
-                <a:latin typeface="+mn-lt"/>
-                <a:ea typeface="+mn-ea"/>
-                <a:cs typeface="+mn-cs"/>
-              </a:rPr>
-              <a:t> instâncias carregadas em um </a:t>
-            </a:r>
-            <a:r>
-              <a:rPr lang="pt-BR" dirty="0" err="1" smtClean="0"/>
-              <a:t>ISession</a:t>
-            </a:r>
-            <a:r>
-              <a:rPr lang="pt-BR" sz="1200" b="0" i="0" kern="1200" dirty="0" smtClean="0">
-                <a:solidFill>
-                  <a:schemeClr val="tx1"/>
-                </a:solidFill>
-                <a:effectLst/>
-                <a:latin typeface="+mn-lt"/>
-                <a:ea typeface="+mn-ea"/>
-                <a:cs typeface="+mn-cs"/>
-              </a:rPr>
-              <a:t> , cada </a:t>
-            </a:r>
-            <a:r>
-              <a:rPr lang="pt-BR" dirty="0" err="1" smtClean="0"/>
-              <a:t>Cat</a:t>
-            </a:r>
-            <a:r>
-              <a:rPr lang="pt-BR" sz="1200" b="0" i="0" kern="1200" dirty="0" smtClean="0">
-                <a:solidFill>
-                  <a:schemeClr val="tx1"/>
-                </a:solidFill>
-                <a:effectLst/>
-                <a:latin typeface="+mn-lt"/>
-                <a:ea typeface="+mn-ea"/>
-                <a:cs typeface="+mn-cs"/>
-              </a:rPr>
-              <a:t> possui uma referência ao seu </a:t>
-            </a:r>
-            <a:r>
-              <a:rPr lang="pt-BR" dirty="0" smtClean="0"/>
-              <a:t>proprietário</a:t>
-            </a:r>
-            <a:r>
-              <a:rPr lang="pt-BR" sz="1200" b="0" i="0" kern="1200" dirty="0" smtClean="0">
-                <a:solidFill>
-                  <a:schemeClr val="tx1"/>
-                </a:solidFill>
-                <a:effectLst/>
-                <a:latin typeface="+mn-lt"/>
-                <a:ea typeface="+mn-ea"/>
-                <a:cs typeface="+mn-cs"/>
-              </a:rPr>
-              <a:t> , uma </a:t>
-            </a:r>
-            <a:r>
-              <a:rPr lang="pt-BR" dirty="0" smtClean="0"/>
-              <a:t>Person</a:t>
-            </a:r>
-            <a:r>
-              <a:rPr lang="pt-BR" sz="1200" b="0" i="0" kern="1200" dirty="0" smtClean="0">
-                <a:solidFill>
-                  <a:schemeClr val="tx1"/>
-                </a:solidFill>
-                <a:effectLst/>
-                <a:latin typeface="+mn-lt"/>
-                <a:ea typeface="+mn-ea"/>
-                <a:cs typeface="+mn-cs"/>
-              </a:rPr>
-              <a:t> . Person classe é mapeada com um proxy, </a:t>
-            </a:r>
-            <a:r>
-              <a:rPr lang="pt-BR" dirty="0" err="1" smtClean="0"/>
-              <a:t>lazy</a:t>
-            </a:r>
-            <a:r>
-              <a:rPr lang="pt-BR" dirty="0" smtClean="0"/>
-              <a:t> = "</a:t>
-            </a:r>
-            <a:r>
-              <a:rPr lang="pt-BR" dirty="0" err="1" smtClean="0"/>
-              <a:t>true</a:t>
-            </a:r>
-            <a:r>
-              <a:rPr lang="pt-BR" dirty="0" smtClean="0"/>
-              <a:t>"</a:t>
-            </a:r>
-            <a:r>
-              <a:rPr lang="pt-BR" sz="1200" b="0" i="0" kern="1200" dirty="0" smtClean="0">
-                <a:solidFill>
-                  <a:schemeClr val="tx1"/>
-                </a:solidFill>
-                <a:effectLst/>
-                <a:latin typeface="+mn-lt"/>
-                <a:ea typeface="+mn-ea"/>
-                <a:cs typeface="+mn-cs"/>
-              </a:rPr>
-              <a:t> . Se você </a:t>
-            </a:r>
-            <a:r>
-              <a:rPr lang="pt-BR" sz="1200" b="0" i="0" kern="1200" dirty="0" err="1" smtClean="0">
-                <a:solidFill>
-                  <a:schemeClr val="tx1"/>
-                </a:solidFill>
-                <a:effectLst/>
-                <a:latin typeface="+mn-lt"/>
-                <a:ea typeface="+mn-ea"/>
-                <a:cs typeface="+mn-cs"/>
-              </a:rPr>
-              <a:t>interar</a:t>
-            </a:r>
-            <a:r>
-              <a:rPr lang="pt-BR" sz="1200" b="0" i="0" kern="1200" dirty="0" smtClean="0">
-                <a:solidFill>
-                  <a:schemeClr val="tx1"/>
-                </a:solidFill>
-                <a:effectLst/>
-                <a:latin typeface="+mn-lt"/>
-                <a:ea typeface="+mn-ea"/>
-                <a:cs typeface="+mn-cs"/>
-              </a:rPr>
-              <a:t> sobre todos os gatos e chamar </a:t>
-            </a:r>
-            <a:r>
-              <a:rPr lang="pt-BR" dirty="0" err="1" smtClean="0"/>
-              <a:t>cat.Owner</a:t>
-            </a:r>
-            <a:r>
-              <a:rPr lang="pt-BR" sz="1200" b="0" i="0" kern="1200" dirty="0" smtClean="0">
-                <a:solidFill>
-                  <a:schemeClr val="tx1"/>
-                </a:solidFill>
-                <a:effectLst/>
-                <a:latin typeface="+mn-lt"/>
-                <a:ea typeface="+mn-ea"/>
-                <a:cs typeface="+mn-cs"/>
-              </a:rPr>
-              <a:t> em cada um, NHibernate, por padrão executar 25 </a:t>
-            </a:r>
-            <a:r>
-              <a:rPr lang="pt-BR" dirty="0" smtClean="0"/>
-              <a:t>de SELECT</a:t>
-            </a:r>
-            <a:r>
-              <a:rPr lang="pt-BR" sz="1200" b="0" i="0" kern="1200" dirty="0" smtClean="0">
-                <a:solidFill>
-                  <a:schemeClr val="tx1"/>
-                </a:solidFill>
-                <a:effectLst/>
-                <a:latin typeface="+mn-lt"/>
-                <a:ea typeface="+mn-ea"/>
-                <a:cs typeface="+mn-cs"/>
-              </a:rPr>
-              <a:t> declarações, para recuperar os proxies de </a:t>
-            </a:r>
-            <a:r>
-              <a:rPr lang="pt-BR" sz="1200" b="0" i="0" kern="1200" dirty="0" err="1" smtClean="0">
-                <a:solidFill>
-                  <a:schemeClr val="tx1"/>
-                </a:solidFill>
-                <a:effectLst/>
-                <a:latin typeface="+mn-lt"/>
-                <a:ea typeface="+mn-ea"/>
-                <a:cs typeface="+mn-cs"/>
-              </a:rPr>
-              <a:t>owners</a:t>
-            </a:r>
-            <a:r>
-              <a:rPr lang="pt-BR" sz="1200" b="0" i="0" kern="1200" dirty="0" smtClean="0">
-                <a:solidFill>
-                  <a:schemeClr val="tx1"/>
-                </a:solidFill>
-                <a:effectLst/>
-                <a:latin typeface="+mn-lt"/>
-                <a:ea typeface="+mn-ea"/>
-                <a:cs typeface="+mn-cs"/>
-              </a:rPr>
-              <a:t>. Você pode melhorar esse comportamento especificando um </a:t>
-            </a:r>
-            <a:r>
-              <a:rPr lang="pt-BR" dirty="0" smtClean="0"/>
-              <a:t>batch-</a:t>
-            </a:r>
-            <a:r>
-              <a:rPr lang="pt-BR" dirty="0" err="1" smtClean="0"/>
-              <a:t>size</a:t>
-            </a:r>
-            <a:r>
-              <a:rPr lang="pt-BR" sz="1200" b="0" i="0" kern="1200" dirty="0" smtClean="0">
-                <a:solidFill>
-                  <a:schemeClr val="tx1"/>
-                </a:solidFill>
-                <a:effectLst/>
-                <a:latin typeface="+mn-lt"/>
-                <a:ea typeface="+mn-ea"/>
-                <a:cs typeface="+mn-cs"/>
-              </a:rPr>
-              <a:t> no mapeamento de </a:t>
-            </a:r>
-            <a:r>
-              <a:rPr lang="pt-BR" dirty="0" smtClean="0"/>
-              <a:t>Person.</a:t>
-            </a:r>
-          </a:p>
-          <a:p>
-            <a:endParaRPr lang="pt-BR" dirty="0" smtClean="0"/>
-          </a:p>
-          <a:p>
-            <a:r>
-              <a:rPr lang="pt-BR" dirty="0" smtClean="0"/>
-              <a:t>Demo</a:t>
+              <a:t>Crowdlearning.Demo3.CriteriaTest</a:t>
             </a:r>
             <a:endParaRPr lang="pt-BR" dirty="0"/>
           </a:p>
@@ -2275,7 +2602,7 @@
     </p:spTree>
     <p:extLst>
       <p:ext uri="{BB962C8B-B14F-4D97-AF65-F5344CB8AC3E}">
-        <p14:creationId xmlns:p14="http://schemas.microsoft.com/office/powerpoint/2010/main" val="1287648485"/>
+        <p14:creationId xmlns:p14="http://schemas.microsoft.com/office/powerpoint/2010/main" val="2117458317"/>
       </p:ext>
     </p:extLst>
   </p:cSld>
@@ -2335,6 +2662,21 @@
             <a:endParaRPr lang="pt-BR" dirty="0" smtClean="0"/>
           </a:p>
           <a:p>
+            <a:r>
+              <a:rPr lang="pt-BR" dirty="0" smtClean="0"/>
+              <a:t>Demo na classe </a:t>
+            </a:r>
+            <a:r>
+              <a:rPr lang="pt-BR" sz="1200" kern="1200" dirty="0" smtClean="0">
+                <a:solidFill>
+                  <a:schemeClr val="tx1"/>
+                </a:solidFill>
+                <a:latin typeface="+mn-lt"/>
+                <a:ea typeface="+mn-ea"/>
+                <a:cs typeface="+mn-cs"/>
+              </a:rPr>
+              <a:t>Crowdlearning.Demo3.CriteriaTest</a:t>
+            </a:r>
             <a:endParaRPr lang="pt-BR" dirty="0"/>
           </a:p>
         </p:txBody>
@@ -2365,7 +2707,7 @@
     </p:spTree>
     <p:extLst>
       <p:ext uri="{BB962C8B-B14F-4D97-AF65-F5344CB8AC3E}">
-        <p14:creationId xmlns:p14="http://schemas.microsoft.com/office/powerpoint/2010/main" val="2117458317"/>
+        <p14:creationId xmlns:p14="http://schemas.microsoft.com/office/powerpoint/2010/main" val="3356753873"/>
       </p:ext>
     </p:extLst>
   </p:cSld>
@@ -2419,13 +2761,68 @@
           <a:bodyPr/>
           <a:lstStyle/>
           <a:p>
+            <a:r>
+              <a:rPr lang="pt-BR" dirty="0" smtClean="0"/>
+              <a:t>HQL</a:t>
+            </a:r>
+          </a:p>
+          <a:p>
             <a:endParaRPr lang="pt-BR" dirty="0" smtClean="0"/>
           </a:p>
           <a:p>
-            <a:endParaRPr lang="pt-BR" dirty="0" smtClean="0"/>
-          </a:p>
-          <a:p>
-            <a:endParaRPr lang="pt-BR" dirty="0"/>
+            <a:r>
+              <a:rPr lang="pt-BR" dirty="0" smtClean="0"/>
+              <a:t>Similar ao SQL.</a:t>
+            </a:r>
+            <a:endParaRPr lang="pt-BR" baseline="0" dirty="0" smtClean="0"/>
+          </a:p>
+          <a:p>
+            <a:r>
+              <a:rPr lang="pt-BR" baseline="0" dirty="0" smtClean="0"/>
+              <a:t>É query em uma classe mapeada. Case </a:t>
+            </a:r>
+            <a:r>
+              <a:rPr lang="pt-BR" baseline="0" dirty="0" err="1" smtClean="0"/>
+              <a:t>sensitive</a:t>
+            </a:r>
+            <a:endParaRPr lang="pt-BR" baseline="0" dirty="0" smtClean="0"/>
+          </a:p>
+          <a:p>
+            <a:endParaRPr lang="pt-BR" baseline="0" dirty="0" smtClean="0"/>
+          </a:p>
+          <a:p>
+            <a:r>
+              <a:rPr lang="pt-BR" baseline="0" dirty="0" smtClean="0"/>
+              <a:t>http://</a:t>
+            </a:r>
+            <a:r>
+              <a:rPr lang="pt-BR" baseline="0" dirty="0" smtClean="0"/>
+              <a:t>nhforge.org/doc/nh/en/index.html#queryhql</a:t>
+            </a:r>
+          </a:p>
+          <a:p>
+            <a:endParaRPr lang="pt-BR" baseline="0" dirty="0" smtClean="0"/>
+          </a:p>
+          <a:p>
+            <a:r>
+              <a:rPr lang="pt-BR" baseline="0" dirty="0" smtClean="0"/>
+              <a:t>Demo na classe </a:t>
+            </a:r>
+            <a:r>
+              <a:rPr lang="pt-BR" sz="1200" b="1" i="0" kern="1200" dirty="0" err="1" smtClean="0">
+                <a:solidFill>
+                  <a:schemeClr val="tx1"/>
+                </a:solidFill>
+                <a:latin typeface="+mn-lt"/>
+                <a:ea typeface="+mn-ea"/>
+                <a:cs typeface="+mn-cs"/>
+              </a:rPr>
+              <a:t>HibernateQueryLanguage</a:t>
+            </a:r>
+            <a:endParaRPr lang="pt-BR" b="1" i="0" baseline="0" dirty="0" smtClean="0"/>
+          </a:p>
+          <a:p>
+            <a:endParaRPr lang="pt-BR" baseline="0" dirty="0" smtClean="0"/>
           </a:p>
         </p:txBody>
       </p:sp>
@@ -2455,7 +2852,7 @@
     </p:spTree>
     <p:extLst>
       <p:ext uri="{BB962C8B-B14F-4D97-AF65-F5344CB8AC3E}">
-        <p14:creationId xmlns:p14="http://schemas.microsoft.com/office/powerpoint/2010/main" val="3356753873"/>
+        <p14:creationId xmlns:p14="http://schemas.microsoft.com/office/powerpoint/2010/main" val="2682117779"/>
       </p:ext>
     </p:extLst>
   </p:cSld>
@@ -2545,6 +2942,61 @@
             </a:r>
           </a:p>
           <a:p>
+            <a:pPr marL="0" marR="0" indent="0" algn="l" defTabSz="914400" rtl="0" eaLnBrk="1" fontAlgn="auto" latinLnBrk="0" hangingPunct="1">
+              <a:lnSpc>
+                <a:spcPct val="100000"/>
+              </a:lnSpc>
+              <a:spcBef>
+                <a:spcPts val="0"/>
+              </a:spcBef>
+              <a:spcAft>
+                <a:spcPts val="0"/>
+              </a:spcAft>
+              <a:buClrTx/>
+              <a:buSzTx/>
+              <a:buFontTx/>
+              <a:buNone/>
+              <a:tabLst/>
+              <a:defRPr/>
+            </a:pPr>
+            <a:endParaRPr lang="pt-BR" baseline="0" dirty="0" smtClean="0"/>
+          </a:p>
+          <a:p>
+            <a:pPr marL="0" marR="0" indent="0" algn="l" defTabSz="914400" rtl="0" eaLnBrk="1" fontAlgn="auto" latinLnBrk="0" hangingPunct="1">
+              <a:lnSpc>
+                <a:spcPct val="100000"/>
+              </a:lnSpc>
+              <a:spcBef>
+                <a:spcPts val="0"/>
+              </a:spcBef>
+              <a:spcAft>
+                <a:spcPts val="0"/>
+              </a:spcAft>
+              <a:buClrTx/>
+              <a:buSzTx/>
+              <a:buFontTx/>
+              <a:buNone/>
+              <a:tabLst/>
+              <a:defRPr/>
+            </a:pPr>
+            <a:r>
+              <a:rPr lang="pt-BR" baseline="0" dirty="0" smtClean="0"/>
+              <a:t>Demo na classe </a:t>
+            </a:r>
+            <a:r>
+              <a:rPr lang="pt-BR" sz="1200" b="1" i="0" kern="1200" dirty="0" err="1" smtClean="0">
+                <a:solidFill>
+                  <a:schemeClr val="tx1"/>
+                </a:solidFill>
+                <a:latin typeface="+mn-lt"/>
+                <a:ea typeface="+mn-ea"/>
+                <a:cs typeface="+mn-cs"/>
+              </a:rPr>
+              <a:t>HibernateQueryLanguage</a:t>
+            </a:r>
+            <a:endParaRPr lang="pt-BR" b="1" i="0" baseline="0" dirty="0" smtClean="0"/>
+          </a:p>
+          <a:p>
             <a:endParaRPr lang="pt-BR" baseline="0" dirty="0" smtClean="0"/>
           </a:p>
         </p:txBody>
@@ -2575,7 +3027,7 @@
     </p:spTree>
     <p:extLst>
       <p:ext uri="{BB962C8B-B14F-4D97-AF65-F5344CB8AC3E}">
-        <p14:creationId xmlns:p14="http://schemas.microsoft.com/office/powerpoint/2010/main" val="2682117779"/>
+        <p14:creationId xmlns:p14="http://schemas.microsoft.com/office/powerpoint/2010/main" val="1931572692"/>
       </p:ext>
     </p:extLst>
   </p:cSld>
@@ -3200,7 +3652,7 @@
             <a:fld id="{9E583DDF-CA54-461A-A486-592D2374C532}" type="datetimeFigureOut">
               <a:rPr lang="en-US"/>
               <a:pPr/>
-              <a:t>5/26/2014</a:t>
+              <a:t>5/28/2014</a:t>
             </a:fld>
             <a:endParaRPr/>
           </a:p>
@@ -3571,7 +4023,7 @@
           <a:p>
             <a:fld id="{9E583DDF-CA54-461A-A486-592D2374C532}" type="datetimeFigureOut">
               <a:rPr lang="en-US"/>
-              <a:t>5/26/2014</a:t>
+              <a:t>5/28/2014</a:t>
             </a:fld>
             <a:endParaRPr/>
           </a:p>
@@ -3751,7 +4203,7 @@
           <a:p>
             <a:fld id="{9E583DDF-CA54-461A-A486-592D2374C532}" type="datetimeFigureOut">
               <a:rPr lang="en-US"/>
-              <a:t>5/26/2014</a:t>
+              <a:t>5/28/2014</a:t>
             </a:fld>
             <a:endParaRPr/>
           </a:p>
@@ -3941,7 +4393,7 @@
           <a:p>
             <a:fld id="{9E583DDF-CA54-461A-A486-592D2374C532}" type="datetimeFigureOut">
               <a:rPr lang="en-US"/>
-              <a:t>5/26/2014</a:t>
+              <a:t>5/28/2014</a:t>
             </a:fld>
             <a:endParaRPr/>
           </a:p>
@@ -4125,7 +4577,7 @@
           <a:p>
             <a:fld id="{9E583DDF-CA54-461A-A486-592D2374C532}" type="datetimeFigureOut">
               <a:rPr lang="en-US"/>
-              <a:t>5/26/2014</a:t>
+              <a:t>5/28/2014</a:t>
             </a:fld>
             <a:endParaRPr/>
           </a:p>
@@ -4508,7 +4960,7 @@
           <a:p>
             <a:fld id="{9E583DDF-CA54-461A-A486-592D2374C532}" type="datetimeFigureOut">
               <a:rPr lang="en-US"/>
-              <a:t>5/26/2014</a:t>
+              <a:t>5/28/2014</a:t>
             </a:fld>
             <a:endParaRPr/>
           </a:p>
@@ -4788,7 +5240,7 @@
             <a:fld id="{9E583DDF-CA54-461A-A486-592D2374C532}" type="datetimeFigureOut">
               <a:rPr lang="en-US"/>
               <a:pPr/>
-              <a:t>5/26/2014</a:t>
+              <a:t>5/28/2014</a:t>
             </a:fld>
             <a:endParaRPr/>
           </a:p>
@@ -5106,7 +5558,7 @@
           <a:p>
             <a:fld id="{9DD7D43D-6574-4C7B-808D-C6C12215A4D4}" type="datetimeFigureOut">
               <a:rPr lang="en-US"/>
-              <a:t>5/26/2014</a:t>
+              <a:t>5/28/2014</a:t>
             </a:fld>
             <a:endParaRPr/>
           </a:p>
@@ -5552,7 +6004,7 @@
           <a:p>
             <a:fld id="{9E583DDF-CA54-461A-A486-592D2374C532}" type="datetimeFigureOut">
               <a:rPr lang="en-US"/>
-              <a:t>5/26/2014</a:t>
+              <a:t>5/28/2014</a:t>
             </a:fld>
             <a:endParaRPr/>
           </a:p>
@@ -5681,7 +6133,7 @@
           <a:p>
             <a:fld id="{9E583DDF-CA54-461A-A486-592D2374C532}" type="datetimeFigureOut">
               <a:rPr lang="en-US"/>
-              <a:t>5/26/2014</a:t>
+              <a:t>5/28/2014</a:t>
             </a:fld>
             <a:endParaRPr/>
           </a:p>
@@ -5797,7 +6249,7 @@
             <a:fld id="{9E583DDF-CA54-461A-A486-592D2374C532}" type="datetimeFigureOut">
               <a:rPr lang="en-US"/>
               <a:pPr/>
-              <a:t>5/26/2014</a:t>
+              <a:t>5/28/2014</a:t>
             </a:fld>
             <a:endParaRPr/>
           </a:p>
@@ -6110,7 +6562,7 @@
           <a:p>
             <a:fld id="{9E583DDF-CA54-461A-A486-592D2374C532}" type="datetimeFigureOut">
               <a:rPr lang="en-US"/>
-              <a:t>5/26/2014</a:t>
+              <a:t>5/28/2014</a:t>
             </a:fld>
             <a:endParaRPr/>
           </a:p>
@@ -6476,7 +6928,7 @@
             <a:fld id="{9E583DDF-CA54-461A-A486-592D2374C532}" type="datetimeFigureOut">
               <a:rPr lang="en-US"/>
               <a:pPr/>
-              <a:t>5/26/2014</a:t>
+              <a:t>5/28/2014</a:t>
             </a:fld>
             <a:endParaRPr/>
           </a:p>
@@ -7068,1277 +7520,6 @@
             <p:ph type="title"/>
           </p:nvPr>
         </p:nvSpPr>
-        <p:spPr/>
-        <p:txBody>
-          <a:bodyPr/>
-          <a:lstStyle/>
-          <a:p>
-            <a:r>
-              <a:rPr lang="pt-BR" dirty="0" smtClean="0"/>
-              <a:t>Consultas – HQL</a:t>
-            </a:r>
-            <a:endParaRPr lang="pt-BR" dirty="0"/>
-          </a:p>
-        </p:txBody>
-      </p:sp>
-      <p:sp>
-        <p:nvSpPr>
-          <p:cNvPr id="5" name="Espaço Reservado para Conteúdo 2"/>
-          <p:cNvSpPr txBox="1">
-            <a:spLocks/>
-          </p:cNvSpPr>
-          <p:nvPr/>
-        </p:nvSpPr>
-        <p:spPr>
-          <a:xfrm>
-            <a:off x="1346036" y="4114800"/>
-            <a:ext cx="9509760" cy="1521346"/>
-          </a:xfrm>
-          <a:prstGeom prst="rect">
-            <a:avLst/>
-          </a:prstGeom>
-        </p:spPr>
-        <p:style>
-          <a:lnRef idx="2">
-            <a:schemeClr val="accent1"/>
-          </a:lnRef>
-          <a:fillRef idx="1">
-            <a:schemeClr val="lt1"/>
-          </a:fillRef>
-          <a:effectRef idx="0">
-            <a:schemeClr val="accent1"/>
-          </a:effectRef>
-          <a:fontRef idx="minor">
-            <a:schemeClr val="dk1"/>
-          </a:fontRef>
-        </p:style>
-        <p:txBody>
-          <a:bodyPr vert="horz" lIns="91440" tIns="45720" rIns="91440" bIns="45720" rtlCol="0">
-            <a:normAutofit/>
-          </a:bodyPr>
-          <a:lstStyle>
-            <a:lvl1pPr marL="274320" indent="-228600" algn="l" defTabSz="914400" rtl="0" eaLnBrk="1" latinLnBrk="0" hangingPunct="1">
-              <a:lnSpc>
-                <a:spcPct val="90000"/>
-              </a:lnSpc>
-              <a:spcBef>
-                <a:spcPts val="1800"/>
-              </a:spcBef>
-              <a:buClr>
-                <a:schemeClr val="tx2"/>
-              </a:buClr>
-              <a:buSzPct val="80000"/>
-              <a:buFont typeface="Wingdings" pitchFamily="2" charset="2"/>
-              <a:buChar char="§"/>
-              <a:defRPr sz="2000" kern="1200">
-                <a:solidFill>
-                  <a:schemeClr val="dk1"/>
-                </a:solidFill>
-                <a:latin typeface="+mn-lt"/>
-                <a:ea typeface="+mn-ea"/>
-                <a:cs typeface="+mn-cs"/>
-              </a:defRPr>
-            </a:lvl1pPr>
-            <a:lvl2pPr marL="594360" indent="-228600" algn="l" defTabSz="914400" rtl="0" eaLnBrk="1" latinLnBrk="0" hangingPunct="1">
-              <a:lnSpc>
-                <a:spcPct val="90000"/>
-              </a:lnSpc>
-              <a:spcBef>
-                <a:spcPts val="1000"/>
-              </a:spcBef>
-              <a:buClr>
-                <a:schemeClr val="tx2"/>
-              </a:buClr>
-              <a:buSzPct val="80000"/>
-              <a:buFont typeface="Wingdings" pitchFamily="2" charset="2"/>
-              <a:buChar char="§"/>
-              <a:defRPr sz="1800" kern="1200">
-                <a:solidFill>
-                  <a:schemeClr val="dk1"/>
-                </a:solidFill>
-                <a:latin typeface="+mn-lt"/>
-                <a:ea typeface="+mn-ea"/>
-                <a:cs typeface="+mn-cs"/>
-              </a:defRPr>
-            </a:lvl2pPr>
-            <a:lvl3pPr marL="914400" indent="-228600" algn="l" defTabSz="914400" rtl="0" eaLnBrk="1" latinLnBrk="0" hangingPunct="1">
-              <a:lnSpc>
-                <a:spcPct val="90000"/>
-              </a:lnSpc>
-              <a:spcBef>
-                <a:spcPts val="800"/>
-              </a:spcBef>
-              <a:buClr>
-                <a:schemeClr val="tx2"/>
-              </a:buClr>
-              <a:buSzPct val="80000"/>
-              <a:buFont typeface="Wingdings" pitchFamily="2" charset="2"/>
-              <a:buChar char="§"/>
-              <a:defRPr sz="1600" kern="1200">
-                <a:solidFill>
-                  <a:schemeClr val="dk1"/>
-                </a:solidFill>
-                <a:latin typeface="+mn-lt"/>
-                <a:ea typeface="+mn-ea"/>
-                <a:cs typeface="+mn-cs"/>
-              </a:defRPr>
-            </a:lvl3pPr>
-            <a:lvl4pPr marL="1234440" indent="-228600" algn="l" defTabSz="914400" rtl="0" eaLnBrk="1" latinLnBrk="0" hangingPunct="1">
-              <a:lnSpc>
-                <a:spcPct val="90000"/>
-              </a:lnSpc>
-              <a:spcBef>
-                <a:spcPts val="800"/>
-              </a:spcBef>
-              <a:buClr>
-                <a:schemeClr val="tx2"/>
-              </a:buClr>
-              <a:buSzPct val="80000"/>
-              <a:buFont typeface="Wingdings" pitchFamily="2" charset="2"/>
-              <a:buChar char="§"/>
-              <a:defRPr sz="1400" kern="1200">
-                <a:solidFill>
-                  <a:schemeClr val="dk1"/>
-                </a:solidFill>
-                <a:latin typeface="+mn-lt"/>
-                <a:ea typeface="+mn-ea"/>
-                <a:cs typeface="+mn-cs"/>
-              </a:defRPr>
-            </a:lvl4pPr>
-            <a:lvl5pPr marL="1554480" indent="-228600" algn="l" defTabSz="914400" rtl="0" eaLnBrk="1" latinLnBrk="0" hangingPunct="1">
-              <a:lnSpc>
-                <a:spcPct val="90000"/>
-              </a:lnSpc>
-              <a:spcBef>
-                <a:spcPts val="800"/>
-              </a:spcBef>
-              <a:buClr>
-                <a:schemeClr val="tx2"/>
-              </a:buClr>
-              <a:buSzPct val="80000"/>
-              <a:buFont typeface="Wingdings" pitchFamily="2" charset="2"/>
-              <a:buChar char="§"/>
-              <a:defRPr sz="1400" kern="1200">
-                <a:solidFill>
-                  <a:schemeClr val="dk1"/>
-                </a:solidFill>
-                <a:latin typeface="+mn-lt"/>
-                <a:ea typeface="+mn-ea"/>
-                <a:cs typeface="+mn-cs"/>
-              </a:defRPr>
-            </a:lvl5pPr>
-            <a:lvl6pPr marL="1874520" indent="-228600" algn="l" defTabSz="914400" rtl="0" eaLnBrk="1" latinLnBrk="0" hangingPunct="1">
-              <a:lnSpc>
-                <a:spcPct val="90000"/>
-              </a:lnSpc>
-              <a:spcBef>
-                <a:spcPts val="800"/>
-              </a:spcBef>
-              <a:buSzPct val="80000"/>
-              <a:buFont typeface="Wingdings" pitchFamily="2" charset="2"/>
-              <a:buChar char="§"/>
-              <a:defRPr sz="1400" kern="1200">
-                <a:solidFill>
-                  <a:schemeClr val="dk1"/>
-                </a:solidFill>
-                <a:latin typeface="+mn-lt"/>
-                <a:ea typeface="+mn-ea"/>
-                <a:cs typeface="+mn-cs"/>
-              </a:defRPr>
-            </a:lvl6pPr>
-            <a:lvl7pPr marL="2194560" indent="-228600" algn="l" defTabSz="914400" rtl="0" eaLnBrk="1" latinLnBrk="0" hangingPunct="1">
-              <a:lnSpc>
-                <a:spcPct val="90000"/>
-              </a:lnSpc>
-              <a:spcBef>
-                <a:spcPts val="800"/>
-              </a:spcBef>
-              <a:buSzPct val="80000"/>
-              <a:buFont typeface="Wingdings" pitchFamily="2" charset="2"/>
-              <a:buChar char="§"/>
-              <a:defRPr sz="1400" kern="1200" baseline="0">
-                <a:solidFill>
-                  <a:schemeClr val="dk1"/>
-                </a:solidFill>
-                <a:latin typeface="+mn-lt"/>
-                <a:ea typeface="+mn-ea"/>
-                <a:cs typeface="+mn-cs"/>
-              </a:defRPr>
-            </a:lvl7pPr>
-            <a:lvl8pPr marL="2514600" indent="-228600" algn="l" defTabSz="914400" rtl="0" eaLnBrk="1" latinLnBrk="0" hangingPunct="1">
-              <a:lnSpc>
-                <a:spcPct val="90000"/>
-              </a:lnSpc>
-              <a:spcBef>
-                <a:spcPts val="800"/>
-              </a:spcBef>
-              <a:buSzPct val="80000"/>
-              <a:buFont typeface="Wingdings" pitchFamily="2" charset="2"/>
-              <a:buChar char="§"/>
-              <a:defRPr sz="1400" kern="1200" baseline="0">
-                <a:solidFill>
-                  <a:schemeClr val="dk1"/>
-                </a:solidFill>
-                <a:latin typeface="+mn-lt"/>
-                <a:ea typeface="+mn-ea"/>
-                <a:cs typeface="+mn-cs"/>
-              </a:defRPr>
-            </a:lvl8pPr>
-            <a:lvl9pPr marL="2834640" indent="-228600" algn="l" defTabSz="914400" rtl="0" eaLnBrk="1" latinLnBrk="0" hangingPunct="1">
-              <a:lnSpc>
-                <a:spcPct val="90000"/>
-              </a:lnSpc>
-              <a:spcBef>
-                <a:spcPts val="800"/>
-              </a:spcBef>
-              <a:buSzPct val="80000"/>
-              <a:buFont typeface="Wingdings" pitchFamily="2" charset="2"/>
-              <a:buChar char="§"/>
-              <a:defRPr sz="1400" kern="1200" baseline="0">
-                <a:solidFill>
-                  <a:schemeClr val="dk1"/>
-                </a:solidFill>
-                <a:latin typeface="+mn-lt"/>
-                <a:ea typeface="+mn-ea"/>
-                <a:cs typeface="+mn-cs"/>
-              </a:defRPr>
-            </a:lvl9pPr>
-          </a:lstStyle>
-          <a:p>
-            <a:pPr marL="45720" indent="0">
-              <a:buNone/>
-            </a:pPr>
-            <a:r>
-              <a:rPr lang="en-US" dirty="0" err="1" smtClean="0">
-                <a:solidFill>
-                  <a:srgbClr val="2B91AF"/>
-                </a:solidFill>
-                <a:highlight>
-                  <a:srgbClr val="FFFFFF"/>
-                </a:highlight>
-                <a:latin typeface="Consolas" panose="020B0609020204030204" pitchFamily="49" charset="0"/>
-              </a:rPr>
-              <a:t>IQuery</a:t>
-            </a:r>
-            <a:r>
-              <a:rPr lang="en-US" dirty="0" smtClean="0">
-                <a:solidFill>
-                  <a:srgbClr val="000000"/>
-                </a:solidFill>
-                <a:highlight>
-                  <a:srgbClr val="FFFFFF"/>
-                </a:highlight>
-                <a:latin typeface="Consolas" panose="020B0609020204030204" pitchFamily="49" charset="0"/>
-              </a:rPr>
-              <a:t> </a:t>
-            </a:r>
-            <a:r>
-              <a:rPr lang="en-US" dirty="0">
-                <a:solidFill>
-                  <a:srgbClr val="000000"/>
-                </a:solidFill>
-                <a:highlight>
-                  <a:srgbClr val="FFFFFF"/>
-                </a:highlight>
-                <a:latin typeface="Consolas" panose="020B0609020204030204" pitchFamily="49" charset="0"/>
-              </a:rPr>
-              <a:t>q = </a:t>
-            </a:r>
-            <a:r>
-              <a:rPr lang="en-US" dirty="0" err="1">
-                <a:solidFill>
-                  <a:srgbClr val="000000"/>
-                </a:solidFill>
-                <a:highlight>
-                  <a:srgbClr val="FFFFFF"/>
-                </a:highlight>
-                <a:latin typeface="Consolas" panose="020B0609020204030204" pitchFamily="49" charset="0"/>
-              </a:rPr>
-              <a:t>session.CreateQuery</a:t>
-            </a:r>
-            <a:r>
-              <a:rPr lang="en-US" dirty="0">
-                <a:solidFill>
-                  <a:srgbClr val="000000"/>
-                </a:solidFill>
-                <a:highlight>
-                  <a:srgbClr val="FFFFFF"/>
-                </a:highlight>
-                <a:latin typeface="Consolas" panose="020B0609020204030204" pitchFamily="49" charset="0"/>
-              </a:rPr>
-              <a:t>(</a:t>
-            </a:r>
-            <a:r>
-              <a:rPr lang="en-US" dirty="0">
-                <a:solidFill>
-                  <a:srgbClr val="A31515"/>
-                </a:solidFill>
-                <a:highlight>
-                  <a:srgbClr val="FFFFFF"/>
-                </a:highlight>
-                <a:latin typeface="Consolas" panose="020B0609020204030204" pitchFamily="49" charset="0"/>
-              </a:rPr>
-              <a:t>"select count(*) from Estado</a:t>
-            </a:r>
-            <a:r>
-              <a:rPr lang="en-US" dirty="0" smtClean="0">
-                <a:solidFill>
-                  <a:srgbClr val="A31515"/>
-                </a:solidFill>
-                <a:highlight>
-                  <a:srgbClr val="FFFFFF"/>
-                </a:highlight>
-                <a:latin typeface="Consolas" panose="020B0609020204030204" pitchFamily="49" charset="0"/>
-              </a:rPr>
-              <a:t>"</a:t>
-            </a:r>
-            <a:r>
-              <a:rPr lang="en-US" dirty="0" smtClean="0">
-                <a:solidFill>
-                  <a:srgbClr val="000000"/>
-                </a:solidFill>
-                <a:highlight>
-                  <a:srgbClr val="FFFFFF"/>
-                </a:highlight>
-                <a:latin typeface="Consolas" panose="020B0609020204030204" pitchFamily="49" charset="0"/>
-              </a:rPr>
-              <a:t>);</a:t>
-            </a:r>
-            <a:br>
-              <a:rPr lang="en-US" dirty="0" smtClean="0">
-                <a:solidFill>
-                  <a:srgbClr val="000000"/>
-                </a:solidFill>
-                <a:highlight>
-                  <a:srgbClr val="FFFFFF"/>
-                </a:highlight>
-                <a:latin typeface="Consolas" panose="020B0609020204030204" pitchFamily="49" charset="0"/>
-              </a:rPr>
-            </a:br>
-            <a:r>
-              <a:rPr lang="pt-BR" dirty="0" smtClean="0">
-                <a:solidFill>
-                  <a:srgbClr val="0000FF"/>
-                </a:solidFill>
-                <a:highlight>
-                  <a:srgbClr val="FFFFFF"/>
-                </a:highlight>
-                <a:latin typeface="Consolas" panose="020B0609020204030204" pitchFamily="49" charset="0"/>
-              </a:rPr>
-              <a:t>var</a:t>
-            </a:r>
-            <a:r>
-              <a:rPr lang="pt-BR" dirty="0" smtClean="0">
-                <a:solidFill>
-                  <a:srgbClr val="000000"/>
-                </a:solidFill>
-                <a:highlight>
-                  <a:srgbClr val="FFFFFF"/>
-                </a:highlight>
-                <a:latin typeface="Consolas" panose="020B0609020204030204" pitchFamily="49" charset="0"/>
-              </a:rPr>
-              <a:t> </a:t>
-            </a:r>
-            <a:r>
-              <a:rPr lang="pt-BR" dirty="0" err="1">
-                <a:solidFill>
-                  <a:srgbClr val="000000"/>
-                </a:solidFill>
-                <a:highlight>
-                  <a:srgbClr val="FFFFFF"/>
-                </a:highlight>
-                <a:latin typeface="Consolas" panose="020B0609020204030204" pitchFamily="49" charset="0"/>
-              </a:rPr>
-              <a:t>quantidadeEstado</a:t>
-            </a:r>
-            <a:r>
-              <a:rPr lang="pt-BR" dirty="0">
-                <a:solidFill>
-                  <a:srgbClr val="000000"/>
-                </a:solidFill>
-                <a:highlight>
-                  <a:srgbClr val="FFFFFF"/>
-                </a:highlight>
-                <a:latin typeface="Consolas" panose="020B0609020204030204" pitchFamily="49" charset="0"/>
-              </a:rPr>
-              <a:t> = </a:t>
-            </a:r>
-            <a:r>
-              <a:rPr lang="pt-BR" dirty="0" err="1">
-                <a:solidFill>
-                  <a:srgbClr val="000000"/>
-                </a:solidFill>
-                <a:highlight>
-                  <a:srgbClr val="FFFFFF"/>
-                </a:highlight>
-                <a:latin typeface="Consolas" panose="020B0609020204030204" pitchFamily="49" charset="0"/>
-              </a:rPr>
-              <a:t>q.UniqueResult</a:t>
-            </a:r>
-            <a:r>
-              <a:rPr lang="pt-BR" dirty="0">
-                <a:solidFill>
-                  <a:srgbClr val="000000"/>
-                </a:solidFill>
-                <a:highlight>
-                  <a:srgbClr val="FFFFFF"/>
-                </a:highlight>
-                <a:latin typeface="Consolas" panose="020B0609020204030204" pitchFamily="49" charset="0"/>
-              </a:rPr>
-              <a:t>&lt;</a:t>
-            </a:r>
-            <a:r>
-              <a:rPr lang="pt-BR" dirty="0" err="1">
-                <a:solidFill>
-                  <a:srgbClr val="0000FF"/>
-                </a:solidFill>
-                <a:highlight>
-                  <a:srgbClr val="FFFFFF"/>
-                </a:highlight>
-                <a:latin typeface="Consolas" panose="020B0609020204030204" pitchFamily="49" charset="0"/>
-              </a:rPr>
-              <a:t>long</a:t>
-            </a:r>
-            <a:r>
-              <a:rPr lang="pt-BR" dirty="0" smtClean="0">
-                <a:solidFill>
-                  <a:srgbClr val="000000"/>
-                </a:solidFill>
-                <a:highlight>
-                  <a:srgbClr val="FFFFFF"/>
-                </a:highlight>
-                <a:latin typeface="Consolas" panose="020B0609020204030204" pitchFamily="49" charset="0"/>
-              </a:rPr>
-              <a:t>&gt;();</a:t>
-            </a:r>
-            <a:br>
-              <a:rPr lang="pt-BR" dirty="0" smtClean="0">
-                <a:solidFill>
-                  <a:srgbClr val="000000"/>
-                </a:solidFill>
-                <a:highlight>
-                  <a:srgbClr val="FFFFFF"/>
-                </a:highlight>
-                <a:latin typeface="Consolas" panose="020B0609020204030204" pitchFamily="49" charset="0"/>
-              </a:rPr>
-            </a:br>
-            <a:r>
-              <a:rPr lang="pt-BR" dirty="0" err="1" smtClean="0">
-                <a:solidFill>
-                  <a:srgbClr val="2B91AF"/>
-                </a:solidFill>
-                <a:highlight>
-                  <a:srgbClr val="FFFFFF"/>
-                </a:highlight>
-                <a:latin typeface="Consolas" panose="020B0609020204030204" pitchFamily="49" charset="0"/>
-              </a:rPr>
-              <a:t>Console</a:t>
-            </a:r>
-            <a:r>
-              <a:rPr lang="pt-BR" dirty="0" err="1" smtClean="0">
-                <a:solidFill>
-                  <a:srgbClr val="000000"/>
-                </a:solidFill>
-                <a:highlight>
-                  <a:srgbClr val="FFFFFF"/>
-                </a:highlight>
-                <a:latin typeface="Consolas" panose="020B0609020204030204" pitchFamily="49" charset="0"/>
-              </a:rPr>
-              <a:t>.WriteLine</a:t>
-            </a:r>
-            <a:r>
-              <a:rPr lang="pt-BR" dirty="0">
-                <a:solidFill>
-                  <a:srgbClr val="000000"/>
-                </a:solidFill>
-                <a:highlight>
-                  <a:srgbClr val="FFFFFF"/>
-                </a:highlight>
-                <a:latin typeface="Consolas" panose="020B0609020204030204" pitchFamily="49" charset="0"/>
-              </a:rPr>
-              <a:t>(</a:t>
-            </a:r>
-            <a:r>
-              <a:rPr lang="pt-BR" dirty="0">
-                <a:solidFill>
-                  <a:srgbClr val="A31515"/>
-                </a:solidFill>
-                <a:highlight>
-                  <a:srgbClr val="FFFFFF"/>
-                </a:highlight>
-                <a:latin typeface="Consolas" panose="020B0609020204030204" pitchFamily="49" charset="0"/>
-              </a:rPr>
-              <a:t>"Quantidade estados: </a:t>
-            </a:r>
-            <a:r>
-              <a:rPr lang="pt-BR" dirty="0">
-                <a:solidFill>
-                  <a:srgbClr val="3CB371"/>
-                </a:solidFill>
-                <a:highlight>
-                  <a:srgbClr val="FFFFFF"/>
-                </a:highlight>
-                <a:latin typeface="Consolas" panose="020B0609020204030204" pitchFamily="49" charset="0"/>
-              </a:rPr>
-              <a:t>{0}</a:t>
-            </a:r>
-            <a:r>
-              <a:rPr lang="pt-BR" dirty="0">
-                <a:solidFill>
-                  <a:srgbClr val="A31515"/>
-                </a:solidFill>
-                <a:highlight>
-                  <a:srgbClr val="FFFFFF"/>
-                </a:highlight>
-                <a:latin typeface="Consolas" panose="020B0609020204030204" pitchFamily="49" charset="0"/>
-              </a:rPr>
-              <a:t>"</a:t>
-            </a:r>
-            <a:r>
-              <a:rPr lang="pt-BR" dirty="0">
-                <a:solidFill>
-                  <a:srgbClr val="000000"/>
-                </a:solidFill>
-                <a:highlight>
-                  <a:srgbClr val="FFFFFF"/>
-                </a:highlight>
-                <a:latin typeface="Consolas" panose="020B0609020204030204" pitchFamily="49" charset="0"/>
-              </a:rPr>
-              <a:t>, </a:t>
-            </a:r>
-            <a:r>
-              <a:rPr lang="pt-BR" dirty="0" err="1">
-                <a:solidFill>
-                  <a:srgbClr val="000000"/>
-                </a:solidFill>
-                <a:highlight>
-                  <a:srgbClr val="FFFFFF"/>
-                </a:highlight>
-                <a:latin typeface="Consolas" panose="020B0609020204030204" pitchFamily="49" charset="0"/>
-              </a:rPr>
-              <a:t>quantidadeEstado</a:t>
-            </a:r>
-            <a:r>
-              <a:rPr lang="pt-BR" dirty="0">
-                <a:solidFill>
-                  <a:srgbClr val="000000"/>
-                </a:solidFill>
-                <a:highlight>
-                  <a:srgbClr val="FFFFFF"/>
-                </a:highlight>
-                <a:latin typeface="Consolas" panose="020B0609020204030204" pitchFamily="49" charset="0"/>
-              </a:rPr>
-              <a:t>);</a:t>
-            </a:r>
-            <a:endParaRPr lang="pt-BR" dirty="0"/>
-          </a:p>
-        </p:txBody>
-      </p:sp>
-      <p:sp>
-        <p:nvSpPr>
-          <p:cNvPr id="6" name="Espaço Reservado para Conteúdo 2"/>
-          <p:cNvSpPr txBox="1">
-            <a:spLocks/>
-          </p:cNvSpPr>
-          <p:nvPr/>
-        </p:nvSpPr>
-        <p:spPr>
-          <a:xfrm>
-            <a:off x="1341120" y="2133600"/>
-            <a:ext cx="9509760" cy="1371600"/>
-          </a:xfrm>
-          <a:prstGeom prst="rect">
-            <a:avLst/>
-          </a:prstGeom>
-        </p:spPr>
-        <p:style>
-          <a:lnRef idx="2">
-            <a:schemeClr val="accent1"/>
-          </a:lnRef>
-          <a:fillRef idx="1">
-            <a:schemeClr val="lt1"/>
-          </a:fillRef>
-          <a:effectRef idx="0">
-            <a:schemeClr val="accent1"/>
-          </a:effectRef>
-          <a:fontRef idx="minor">
-            <a:schemeClr val="dk1"/>
-          </a:fontRef>
-        </p:style>
-        <p:txBody>
-          <a:bodyPr vert="horz" lIns="91440" tIns="45720" rIns="91440" bIns="45720" rtlCol="0">
-            <a:normAutofit/>
-          </a:bodyPr>
-          <a:lstStyle>
-            <a:lvl1pPr marL="274320" indent="-228600" algn="l" defTabSz="914400" rtl="0" eaLnBrk="1" latinLnBrk="0" hangingPunct="1">
-              <a:lnSpc>
-                <a:spcPct val="90000"/>
-              </a:lnSpc>
-              <a:spcBef>
-                <a:spcPts val="1800"/>
-              </a:spcBef>
-              <a:buClr>
-                <a:schemeClr val="tx2"/>
-              </a:buClr>
-              <a:buSzPct val="80000"/>
-              <a:buFont typeface="Wingdings" pitchFamily="2" charset="2"/>
-              <a:buChar char="§"/>
-              <a:defRPr sz="2000" kern="1200">
-                <a:solidFill>
-                  <a:schemeClr val="dk1"/>
-                </a:solidFill>
-                <a:latin typeface="+mn-lt"/>
-                <a:ea typeface="+mn-ea"/>
-                <a:cs typeface="+mn-cs"/>
-              </a:defRPr>
-            </a:lvl1pPr>
-            <a:lvl2pPr marL="594360" indent="-228600" algn="l" defTabSz="914400" rtl="0" eaLnBrk="1" latinLnBrk="0" hangingPunct="1">
-              <a:lnSpc>
-                <a:spcPct val="90000"/>
-              </a:lnSpc>
-              <a:spcBef>
-                <a:spcPts val="1000"/>
-              </a:spcBef>
-              <a:buClr>
-                <a:schemeClr val="tx2"/>
-              </a:buClr>
-              <a:buSzPct val="80000"/>
-              <a:buFont typeface="Wingdings" pitchFamily="2" charset="2"/>
-              <a:buChar char="§"/>
-              <a:defRPr sz="1800" kern="1200">
-                <a:solidFill>
-                  <a:schemeClr val="dk1"/>
-                </a:solidFill>
-                <a:latin typeface="+mn-lt"/>
-                <a:ea typeface="+mn-ea"/>
-                <a:cs typeface="+mn-cs"/>
-              </a:defRPr>
-            </a:lvl2pPr>
-            <a:lvl3pPr marL="914400" indent="-228600" algn="l" defTabSz="914400" rtl="0" eaLnBrk="1" latinLnBrk="0" hangingPunct="1">
-              <a:lnSpc>
-                <a:spcPct val="90000"/>
-              </a:lnSpc>
-              <a:spcBef>
-                <a:spcPts val="800"/>
-              </a:spcBef>
-              <a:buClr>
-                <a:schemeClr val="tx2"/>
-              </a:buClr>
-              <a:buSzPct val="80000"/>
-              <a:buFont typeface="Wingdings" pitchFamily="2" charset="2"/>
-              <a:buChar char="§"/>
-              <a:defRPr sz="1600" kern="1200">
-                <a:solidFill>
-                  <a:schemeClr val="dk1"/>
-                </a:solidFill>
-                <a:latin typeface="+mn-lt"/>
-                <a:ea typeface="+mn-ea"/>
-                <a:cs typeface="+mn-cs"/>
-              </a:defRPr>
-            </a:lvl3pPr>
-            <a:lvl4pPr marL="1234440" indent="-228600" algn="l" defTabSz="914400" rtl="0" eaLnBrk="1" latinLnBrk="0" hangingPunct="1">
-              <a:lnSpc>
-                <a:spcPct val="90000"/>
-              </a:lnSpc>
-              <a:spcBef>
-                <a:spcPts val="800"/>
-              </a:spcBef>
-              <a:buClr>
-                <a:schemeClr val="tx2"/>
-              </a:buClr>
-              <a:buSzPct val="80000"/>
-              <a:buFont typeface="Wingdings" pitchFamily="2" charset="2"/>
-              <a:buChar char="§"/>
-              <a:defRPr sz="1400" kern="1200">
-                <a:solidFill>
-                  <a:schemeClr val="dk1"/>
-                </a:solidFill>
-                <a:latin typeface="+mn-lt"/>
-                <a:ea typeface="+mn-ea"/>
-                <a:cs typeface="+mn-cs"/>
-              </a:defRPr>
-            </a:lvl4pPr>
-            <a:lvl5pPr marL="1554480" indent="-228600" algn="l" defTabSz="914400" rtl="0" eaLnBrk="1" latinLnBrk="0" hangingPunct="1">
-              <a:lnSpc>
-                <a:spcPct val="90000"/>
-              </a:lnSpc>
-              <a:spcBef>
-                <a:spcPts val="800"/>
-              </a:spcBef>
-              <a:buClr>
-                <a:schemeClr val="tx2"/>
-              </a:buClr>
-              <a:buSzPct val="80000"/>
-              <a:buFont typeface="Wingdings" pitchFamily="2" charset="2"/>
-              <a:buChar char="§"/>
-              <a:defRPr sz="1400" kern="1200">
-                <a:solidFill>
-                  <a:schemeClr val="dk1"/>
-                </a:solidFill>
-                <a:latin typeface="+mn-lt"/>
-                <a:ea typeface="+mn-ea"/>
-                <a:cs typeface="+mn-cs"/>
-              </a:defRPr>
-            </a:lvl5pPr>
-            <a:lvl6pPr marL="1874520" indent="-228600" algn="l" defTabSz="914400" rtl="0" eaLnBrk="1" latinLnBrk="0" hangingPunct="1">
-              <a:lnSpc>
-                <a:spcPct val="90000"/>
-              </a:lnSpc>
-              <a:spcBef>
-                <a:spcPts val="800"/>
-              </a:spcBef>
-              <a:buSzPct val="80000"/>
-              <a:buFont typeface="Wingdings" pitchFamily="2" charset="2"/>
-              <a:buChar char="§"/>
-              <a:defRPr sz="1400" kern="1200">
-                <a:solidFill>
-                  <a:schemeClr val="dk1"/>
-                </a:solidFill>
-                <a:latin typeface="+mn-lt"/>
-                <a:ea typeface="+mn-ea"/>
-                <a:cs typeface="+mn-cs"/>
-              </a:defRPr>
-            </a:lvl6pPr>
-            <a:lvl7pPr marL="2194560" indent="-228600" algn="l" defTabSz="914400" rtl="0" eaLnBrk="1" latinLnBrk="0" hangingPunct="1">
-              <a:lnSpc>
-                <a:spcPct val="90000"/>
-              </a:lnSpc>
-              <a:spcBef>
-                <a:spcPts val="800"/>
-              </a:spcBef>
-              <a:buSzPct val="80000"/>
-              <a:buFont typeface="Wingdings" pitchFamily="2" charset="2"/>
-              <a:buChar char="§"/>
-              <a:defRPr sz="1400" kern="1200" baseline="0">
-                <a:solidFill>
-                  <a:schemeClr val="dk1"/>
-                </a:solidFill>
-                <a:latin typeface="+mn-lt"/>
-                <a:ea typeface="+mn-ea"/>
-                <a:cs typeface="+mn-cs"/>
-              </a:defRPr>
-            </a:lvl7pPr>
-            <a:lvl8pPr marL="2514600" indent="-228600" algn="l" defTabSz="914400" rtl="0" eaLnBrk="1" latinLnBrk="0" hangingPunct="1">
-              <a:lnSpc>
-                <a:spcPct val="90000"/>
-              </a:lnSpc>
-              <a:spcBef>
-                <a:spcPts val="800"/>
-              </a:spcBef>
-              <a:buSzPct val="80000"/>
-              <a:buFont typeface="Wingdings" pitchFamily="2" charset="2"/>
-              <a:buChar char="§"/>
-              <a:defRPr sz="1400" kern="1200" baseline="0">
-                <a:solidFill>
-                  <a:schemeClr val="dk1"/>
-                </a:solidFill>
-                <a:latin typeface="+mn-lt"/>
-                <a:ea typeface="+mn-ea"/>
-                <a:cs typeface="+mn-cs"/>
-              </a:defRPr>
-            </a:lvl8pPr>
-            <a:lvl9pPr marL="2834640" indent="-228600" algn="l" defTabSz="914400" rtl="0" eaLnBrk="1" latinLnBrk="0" hangingPunct="1">
-              <a:lnSpc>
-                <a:spcPct val="90000"/>
-              </a:lnSpc>
-              <a:spcBef>
-                <a:spcPts val="800"/>
-              </a:spcBef>
-              <a:buSzPct val="80000"/>
-              <a:buFont typeface="Wingdings" pitchFamily="2" charset="2"/>
-              <a:buChar char="§"/>
-              <a:defRPr sz="1400" kern="1200" baseline="0">
-                <a:solidFill>
-                  <a:schemeClr val="dk1"/>
-                </a:solidFill>
-                <a:latin typeface="+mn-lt"/>
-                <a:ea typeface="+mn-ea"/>
-                <a:cs typeface="+mn-cs"/>
-              </a:defRPr>
-            </a:lvl9pPr>
-          </a:lstStyle>
-          <a:p>
-            <a:pPr marL="45720" indent="0">
-              <a:buNone/>
-            </a:pPr>
-            <a:r>
-              <a:rPr lang="pt-BR" dirty="0" err="1" smtClean="0">
-                <a:solidFill>
-                  <a:srgbClr val="2B91AF"/>
-                </a:solidFill>
-                <a:highlight>
-                  <a:srgbClr val="FFFFFF"/>
-                </a:highlight>
-                <a:latin typeface="Consolas" panose="020B0609020204030204" pitchFamily="49" charset="0"/>
-              </a:rPr>
-              <a:t>IQuery</a:t>
-            </a:r>
-            <a:r>
-              <a:rPr lang="pt-BR" dirty="0" smtClean="0">
-                <a:solidFill>
-                  <a:srgbClr val="000000"/>
-                </a:solidFill>
-                <a:highlight>
-                  <a:srgbClr val="FFFFFF"/>
-                </a:highlight>
-                <a:latin typeface="Consolas" panose="020B0609020204030204" pitchFamily="49" charset="0"/>
-              </a:rPr>
-              <a:t> </a:t>
-            </a:r>
-            <a:r>
-              <a:rPr lang="pt-BR" dirty="0">
-                <a:solidFill>
-                  <a:srgbClr val="000000"/>
-                </a:solidFill>
-                <a:highlight>
-                  <a:srgbClr val="FFFFFF"/>
-                </a:highlight>
-                <a:latin typeface="Consolas" panose="020B0609020204030204" pitchFamily="49" charset="0"/>
-              </a:rPr>
-              <a:t>q = </a:t>
-            </a:r>
-            <a:r>
-              <a:rPr lang="pt-BR" dirty="0" err="1">
-                <a:solidFill>
-                  <a:srgbClr val="000000"/>
-                </a:solidFill>
-                <a:highlight>
-                  <a:srgbClr val="FFFFFF"/>
-                </a:highlight>
-                <a:latin typeface="Consolas" panose="020B0609020204030204" pitchFamily="49" charset="0"/>
-              </a:rPr>
-              <a:t>session.CreateQuery</a:t>
-            </a:r>
-            <a:r>
-              <a:rPr lang="pt-BR" dirty="0" smtClean="0">
-                <a:solidFill>
-                  <a:srgbClr val="000000"/>
-                </a:solidFill>
-                <a:highlight>
-                  <a:srgbClr val="FFFFFF"/>
-                </a:highlight>
-                <a:latin typeface="Consolas" panose="020B0609020204030204" pitchFamily="49" charset="0"/>
-              </a:rPr>
-              <a:t>(</a:t>
-            </a:r>
-            <a:br>
-              <a:rPr lang="pt-BR" dirty="0" smtClean="0">
-                <a:solidFill>
-                  <a:srgbClr val="000000"/>
-                </a:solidFill>
-                <a:highlight>
-                  <a:srgbClr val="FFFFFF"/>
-                </a:highlight>
-                <a:latin typeface="Consolas" panose="020B0609020204030204" pitchFamily="49" charset="0"/>
-              </a:rPr>
-            </a:br>
-            <a:r>
-              <a:rPr lang="pt-BR" dirty="0" smtClean="0">
-                <a:solidFill>
-                  <a:srgbClr val="000000"/>
-                </a:solidFill>
-                <a:highlight>
-                  <a:srgbClr val="FFFFFF"/>
-                </a:highlight>
-                <a:latin typeface="Consolas" panose="020B0609020204030204" pitchFamily="49" charset="0"/>
-              </a:rPr>
-              <a:t>     </a:t>
-            </a:r>
-            <a:r>
-              <a:rPr lang="pt-BR" dirty="0" smtClean="0">
-                <a:solidFill>
-                  <a:srgbClr val="A31515"/>
-                </a:solidFill>
-                <a:highlight>
-                  <a:srgbClr val="FFFFFF"/>
-                </a:highlight>
-                <a:latin typeface="Consolas" panose="020B0609020204030204" pitchFamily="49" charset="0"/>
-              </a:rPr>
-              <a:t>"</a:t>
-            </a:r>
-            <a:r>
-              <a:rPr lang="pt-BR" dirty="0" err="1">
-                <a:solidFill>
-                  <a:srgbClr val="A31515"/>
-                </a:solidFill>
-                <a:highlight>
-                  <a:srgbClr val="FFFFFF"/>
-                </a:highlight>
-                <a:latin typeface="Consolas" panose="020B0609020204030204" pitchFamily="49" charset="0"/>
-              </a:rPr>
-              <a:t>from</a:t>
-            </a:r>
-            <a:r>
-              <a:rPr lang="pt-BR" dirty="0">
-                <a:solidFill>
-                  <a:srgbClr val="A31515"/>
-                </a:solidFill>
-                <a:highlight>
-                  <a:srgbClr val="FFFFFF"/>
-                </a:highlight>
-                <a:latin typeface="Consolas" panose="020B0609020204030204" pitchFamily="49" charset="0"/>
-              </a:rPr>
-              <a:t> Estado </a:t>
-            </a:r>
-            <a:r>
-              <a:rPr lang="pt-BR" dirty="0" err="1">
-                <a:solidFill>
-                  <a:srgbClr val="A31515"/>
-                </a:solidFill>
-                <a:highlight>
-                  <a:srgbClr val="FFFFFF"/>
-                </a:highlight>
-                <a:latin typeface="Consolas" panose="020B0609020204030204" pitchFamily="49" charset="0"/>
-              </a:rPr>
-              <a:t>estado</a:t>
-            </a:r>
-            <a:r>
-              <a:rPr lang="pt-BR" dirty="0">
-                <a:solidFill>
-                  <a:srgbClr val="A31515"/>
-                </a:solidFill>
-                <a:highlight>
-                  <a:srgbClr val="FFFFFF"/>
-                </a:highlight>
-                <a:latin typeface="Consolas" panose="020B0609020204030204" pitchFamily="49" charset="0"/>
-              </a:rPr>
-              <a:t> </a:t>
-            </a:r>
-            <a:r>
-              <a:rPr lang="pt-BR" dirty="0" err="1">
-                <a:solidFill>
-                  <a:srgbClr val="A31515"/>
-                </a:solidFill>
-                <a:highlight>
-                  <a:srgbClr val="FFFFFF"/>
-                </a:highlight>
-                <a:latin typeface="Consolas" panose="020B0609020204030204" pitchFamily="49" charset="0"/>
-              </a:rPr>
-              <a:t>where</a:t>
-            </a:r>
-            <a:r>
-              <a:rPr lang="pt-BR" dirty="0">
-                <a:solidFill>
-                  <a:srgbClr val="A31515"/>
-                </a:solidFill>
-                <a:highlight>
-                  <a:srgbClr val="FFFFFF"/>
-                </a:highlight>
-                <a:latin typeface="Consolas" panose="020B0609020204030204" pitchFamily="49" charset="0"/>
-              </a:rPr>
-              <a:t> </a:t>
-            </a:r>
-            <a:r>
-              <a:rPr lang="pt-BR" dirty="0" err="1">
-                <a:solidFill>
-                  <a:srgbClr val="A31515"/>
-                </a:solidFill>
-                <a:highlight>
-                  <a:srgbClr val="FFFFFF"/>
-                </a:highlight>
-                <a:latin typeface="Consolas" panose="020B0609020204030204" pitchFamily="49" charset="0"/>
-              </a:rPr>
-              <a:t>estado.Nome</a:t>
-            </a:r>
-            <a:r>
-              <a:rPr lang="pt-BR" dirty="0">
-                <a:solidFill>
-                  <a:srgbClr val="A31515"/>
-                </a:solidFill>
-                <a:highlight>
-                  <a:srgbClr val="FFFFFF"/>
-                </a:highlight>
-                <a:latin typeface="Consolas" panose="020B0609020204030204" pitchFamily="49" charset="0"/>
-              </a:rPr>
-              <a:t> = :nome</a:t>
-            </a:r>
-            <a:r>
-              <a:rPr lang="pt-BR" dirty="0" smtClean="0">
-                <a:solidFill>
-                  <a:srgbClr val="A31515"/>
-                </a:solidFill>
-                <a:highlight>
-                  <a:srgbClr val="FFFFFF"/>
-                </a:highlight>
-                <a:latin typeface="Consolas" panose="020B0609020204030204" pitchFamily="49" charset="0"/>
-              </a:rPr>
-              <a:t>"</a:t>
-            </a:r>
-            <a:r>
-              <a:rPr lang="pt-BR" dirty="0" smtClean="0">
-                <a:solidFill>
-                  <a:srgbClr val="000000"/>
-                </a:solidFill>
-                <a:highlight>
-                  <a:srgbClr val="FFFFFF"/>
-                </a:highlight>
-                <a:latin typeface="Consolas" panose="020B0609020204030204" pitchFamily="49" charset="0"/>
-              </a:rPr>
-              <a:t>);</a:t>
-            </a:r>
-            <a:br>
-              <a:rPr lang="pt-BR" dirty="0" smtClean="0">
-                <a:solidFill>
-                  <a:srgbClr val="000000"/>
-                </a:solidFill>
-                <a:highlight>
-                  <a:srgbClr val="FFFFFF"/>
-                </a:highlight>
-                <a:latin typeface="Consolas" panose="020B0609020204030204" pitchFamily="49" charset="0"/>
-              </a:rPr>
-            </a:br>
-            <a:r>
-              <a:rPr lang="pt-BR" dirty="0" err="1" smtClean="0">
-                <a:solidFill>
-                  <a:srgbClr val="000000"/>
-                </a:solidFill>
-                <a:highlight>
-                  <a:srgbClr val="FFFFFF"/>
-                </a:highlight>
-                <a:latin typeface="Consolas" panose="020B0609020204030204" pitchFamily="49" charset="0"/>
-              </a:rPr>
-              <a:t>q.SetParameter</a:t>
-            </a:r>
-            <a:r>
-              <a:rPr lang="pt-BR" dirty="0">
-                <a:solidFill>
-                  <a:srgbClr val="000000"/>
-                </a:solidFill>
-                <a:highlight>
-                  <a:srgbClr val="FFFFFF"/>
-                </a:highlight>
-                <a:latin typeface="Consolas" panose="020B0609020204030204" pitchFamily="49" charset="0"/>
-              </a:rPr>
-              <a:t>(</a:t>
-            </a:r>
-            <a:r>
-              <a:rPr lang="pt-BR" dirty="0">
-                <a:solidFill>
-                  <a:srgbClr val="A31515"/>
-                </a:solidFill>
-                <a:highlight>
-                  <a:srgbClr val="FFFFFF"/>
-                </a:highlight>
-                <a:latin typeface="Consolas" panose="020B0609020204030204" pitchFamily="49" charset="0"/>
-              </a:rPr>
-              <a:t>"nome"</a:t>
-            </a:r>
-            <a:r>
-              <a:rPr lang="pt-BR" dirty="0">
-                <a:solidFill>
-                  <a:srgbClr val="000000"/>
-                </a:solidFill>
-                <a:highlight>
-                  <a:srgbClr val="FFFFFF"/>
-                </a:highlight>
-                <a:latin typeface="Consolas" panose="020B0609020204030204" pitchFamily="49" charset="0"/>
-              </a:rPr>
-              <a:t>, </a:t>
-            </a:r>
-            <a:r>
-              <a:rPr lang="pt-BR" dirty="0">
-                <a:solidFill>
-                  <a:srgbClr val="A31515"/>
-                </a:solidFill>
-                <a:highlight>
-                  <a:srgbClr val="FFFFFF"/>
-                </a:highlight>
-                <a:latin typeface="Consolas" panose="020B0609020204030204" pitchFamily="49" charset="0"/>
-              </a:rPr>
-              <a:t>"Santa Catarina"</a:t>
-            </a:r>
-            <a:r>
-              <a:rPr lang="pt-BR" dirty="0">
-                <a:solidFill>
-                  <a:srgbClr val="000000"/>
-                </a:solidFill>
-                <a:highlight>
-                  <a:srgbClr val="FFFFFF"/>
-                </a:highlight>
-                <a:latin typeface="Consolas" panose="020B0609020204030204" pitchFamily="49" charset="0"/>
-              </a:rPr>
-              <a:t>);</a:t>
-            </a:r>
-            <a:endParaRPr lang="pt-BR" dirty="0"/>
-          </a:p>
-        </p:txBody>
-      </p:sp>
-    </p:spTree>
-    <p:extLst>
-      <p:ext uri="{BB962C8B-B14F-4D97-AF65-F5344CB8AC3E}">
-        <p14:creationId xmlns:p14="http://schemas.microsoft.com/office/powerpoint/2010/main" val="2512292809"/>
-      </p:ext>
-    </p:extLst>
-  </p:cSld>
-  <p:clrMapOvr>
-    <a:masterClrMapping/>
-  </p:clrMapOvr>
-  <mc:AlternateContent xmlns:mc="http://schemas.openxmlformats.org/markup-compatibility/2006" xmlns:p14="http://schemas.microsoft.com/office/powerpoint/2010/main">
-    <mc:Choice Requires="p14">
-      <p:transition spd="med" p14:dur="700">
-        <p:fade/>
-      </p:transition>
-    </mc:Choice>
-    <mc:Fallback xmlns="">
-      <p:transition spd="med">
-        <p:fade/>
-      </p:transition>
-    </mc:Fallback>
-  </mc:AlternateContent>
-  <p:timing>
-    <p:tnLst>
-      <p:par>
-        <p:cTn id="1" dur="indefinite" restart="never" nodeType="tmRoot">
-          <p:childTnLst>
-            <p:seq concurrent="1" nextAc="seek">
-              <p:cTn id="2" dur="indefinite" nodeType="mainSeq">
-                <p:childTnLst>
-                  <p:par>
-                    <p:cTn id="3" fill="hold">
-                      <p:stCondLst>
-                        <p:cond delay="indefinite"/>
-                      </p:stCondLst>
-                      <p:childTnLst>
-                        <p:par>
-                          <p:cTn id="4" fill="hold">
-                            <p:stCondLst>
-                              <p:cond delay="0"/>
-                            </p:stCondLst>
-                            <p:childTnLst>
-                              <p:par>
-                                <p:cTn id="5" presetID="2" presetClass="entr" presetSubtype="4" fill="hold" grpId="0" nodeType="clickEffect">
-                                  <p:stCondLst>
-                                    <p:cond delay="0"/>
-                                  </p:stCondLst>
-                                  <p:childTnLst>
-                                    <p:set>
-                                      <p:cBhvr>
-                                        <p:cTn id="6" dur="1" fill="hold">
-                                          <p:stCondLst>
-                                            <p:cond delay="0"/>
-                                          </p:stCondLst>
-                                        </p:cTn>
-                                        <p:tgtEl>
-                                          <p:spTgt spid="5"/>
-                                        </p:tgtEl>
-                                        <p:attrNameLst>
-                                          <p:attrName>style.visibility</p:attrName>
-                                        </p:attrNameLst>
-                                      </p:cBhvr>
-                                      <p:to>
-                                        <p:strVal val="visible"/>
-                                      </p:to>
-                                    </p:set>
-                                    <p:anim calcmode="lin" valueType="num">
-                                      <p:cBhvr additive="base">
-                                        <p:cTn id="7" dur="500" fill="hold"/>
-                                        <p:tgtEl>
-                                          <p:spTgt spid="5"/>
-                                        </p:tgtEl>
-                                        <p:attrNameLst>
-                                          <p:attrName>ppt_x</p:attrName>
-                                        </p:attrNameLst>
-                                      </p:cBhvr>
-                                      <p:tavLst>
-                                        <p:tav tm="0">
-                                          <p:val>
-                                            <p:strVal val="#ppt_x"/>
-                                          </p:val>
-                                        </p:tav>
-                                        <p:tav tm="100000">
-                                          <p:val>
-                                            <p:strVal val="#ppt_x"/>
-                                          </p:val>
-                                        </p:tav>
-                                      </p:tavLst>
-                                    </p:anim>
-                                    <p:anim calcmode="lin" valueType="num">
-                                      <p:cBhvr additive="base">
-                                        <p:cTn id="8" dur="500" fill="hold"/>
-                                        <p:tgtEl>
-                                          <p:spTgt spid="5"/>
-                                        </p:tgtEl>
-                                        <p:attrNameLst>
-                                          <p:attrName>ppt_y</p:attrName>
-                                        </p:attrNameLst>
-                                      </p:cBhvr>
-                                      <p:tavLst>
-                                        <p:tav tm="0">
-                                          <p:val>
-                                            <p:strVal val="1+#ppt_h/2"/>
-                                          </p:val>
-                                        </p:tav>
-                                        <p:tav tm="100000">
-                                          <p:val>
-                                            <p:strVal val="#ppt_y"/>
-                                          </p:val>
-                                        </p:tav>
-                                      </p:tavLst>
-                                    </p:anim>
-                                  </p:childTnLst>
-                                </p:cTn>
-                              </p:par>
-                            </p:childTnLst>
-                          </p:cTn>
-                        </p:par>
-                      </p:childTnLst>
-                    </p:cTn>
-                  </p:par>
-                </p:childTnLst>
-              </p:cTn>
-              <p:prevCondLst>
-                <p:cond evt="onPrev" delay="0">
-                  <p:tgtEl>
-                    <p:sldTgt/>
-                  </p:tgtEl>
-                </p:cond>
-              </p:prevCondLst>
-              <p:nextCondLst>
-                <p:cond evt="onNext" delay="0">
-                  <p:tgtEl>
-                    <p:sldTgt/>
-                  </p:tgtEl>
-                </p:cond>
-              </p:nextCondLst>
-            </p:seq>
-          </p:childTnLst>
-        </p:cTn>
-      </p:par>
-    </p:tnLst>
-    <p:bldLst>
-      <p:bldP spid="5" grpId="0" animBg="1"/>
-    </p:bldLst>
-  </p:timing>
-</p:sld>
-</file>
-
-<file path=ppt/slides/slide11.xml><?xml version="1.0" encoding="utf-8"?>
-<p:sld xmlns:a="http://schemas.openxmlformats.org/drawingml/2006/main" xmlns:r="http://schemas.openxmlformats.org/officeDocument/2006/relationships" xmlns:p="http://schemas.openxmlformats.org/presentationml/2006/main">
-  <p:cSld>
-    <p:spTree>
-      <p:nvGrpSpPr>
-        <p:cNvPr id="1" name=""/>
-        <p:cNvGrpSpPr/>
-        <p:nvPr/>
-      </p:nvGrpSpPr>
-      <p:grpSpPr>
-        <a:xfrm>
-          <a:off x="0" y="0"/>
-          <a:ext cx="0" cy="0"/>
-          <a:chOff x="0" y="0"/>
-          <a:chExt cx="0" cy="0"/>
-        </a:xfrm>
-      </p:grpSpPr>
-      <p:sp>
-        <p:nvSpPr>
-          <p:cNvPr id="2" name="Título 1"/>
-          <p:cNvSpPr>
-            <a:spLocks noGrp="1"/>
-          </p:cNvSpPr>
-          <p:nvPr>
-            <p:ph type="title"/>
-          </p:nvPr>
-        </p:nvSpPr>
         <p:spPr>
           <a:xfrm>
             <a:off x="1385581" y="297688"/>
@@ -9509,7 +8690,7 @@
 </p:sld>
 </file>
 
-<file path=ppt/slides/slide12.xml><?xml version="1.0" encoding="utf-8"?>
+<file path=ppt/slides/slide11.xml><?xml version="1.0" encoding="utf-8"?>
 <p:sld xmlns:a="http://schemas.openxmlformats.org/drawingml/2006/main" xmlns:r="http://schemas.openxmlformats.org/officeDocument/2006/relationships" xmlns:p="http://schemas.openxmlformats.org/presentationml/2006/main">
   <p:cSld>
     <p:spTree>
@@ -9766,7 +8947,7 @@
 </p:sld>
 </file>
 
-<file path=ppt/slides/slide13.xml><?xml version="1.0" encoding="utf-8"?>
+<file path=ppt/slides/slide12.xml><?xml version="1.0" encoding="utf-8"?>
 <p:sld xmlns:a="http://schemas.openxmlformats.org/drawingml/2006/main" xmlns:r="http://schemas.openxmlformats.org/officeDocument/2006/relationships" xmlns:p="http://schemas.openxmlformats.org/presentationml/2006/main">
   <p:cSld>
     <p:spTree>
@@ -9857,7 +9038,7 @@
 </p:sld>
 </file>
 
-<file path=ppt/slides/slide14.xml><?xml version="1.0" encoding="utf-8"?>
+<file path=ppt/slides/slide13.xml><?xml version="1.0" encoding="utf-8"?>
 <p:sld xmlns:a="http://schemas.openxmlformats.org/drawingml/2006/main" xmlns:r="http://schemas.openxmlformats.org/officeDocument/2006/relationships" xmlns:p="http://schemas.openxmlformats.org/presentationml/2006/main">
   <p:cSld>
     <p:spTree>
@@ -11155,97 +10336,6 @@
           <a:p>
             <a:r>
               <a:rPr lang="pt-BR" dirty="0" smtClean="0"/>
-              <a:t>Demo</a:t>
-            </a:r>
-            <a:endParaRPr lang="pt-BR" dirty="0"/>
-          </a:p>
-        </p:txBody>
-      </p:sp>
-      <p:sp>
-        <p:nvSpPr>
-          <p:cNvPr id="3" name="Espaço Reservado para Texto 2"/>
-          <p:cNvSpPr>
-            <a:spLocks noGrp="1"/>
-          </p:cNvSpPr>
-          <p:nvPr>
-            <p:ph type="body" idx="1"/>
-          </p:nvPr>
-        </p:nvSpPr>
-        <p:spPr/>
-        <p:txBody>
-          <a:bodyPr/>
-          <a:lstStyle/>
-          <a:p>
-            <a:endParaRPr lang="pt-BR" dirty="0"/>
-          </a:p>
-        </p:txBody>
-      </p:sp>
-    </p:spTree>
-    <p:extLst>
-      <p:ext uri="{BB962C8B-B14F-4D97-AF65-F5344CB8AC3E}">
-        <p14:creationId xmlns:p14="http://schemas.microsoft.com/office/powerpoint/2010/main" val="953276826"/>
-      </p:ext>
-    </p:extLst>
-  </p:cSld>
-  <p:clrMapOvr>
-    <a:masterClrMapping/>
-  </p:clrMapOvr>
-  <mc:AlternateContent xmlns:mc="http://schemas.openxmlformats.org/markup-compatibility/2006" xmlns:p14="http://schemas.microsoft.com/office/powerpoint/2010/main">
-    <mc:Choice Requires="p14">
-      <p:transition spd="med" p14:dur="700">
-        <p:fade/>
-      </p:transition>
-    </mc:Choice>
-    <mc:Fallback xmlns="">
-      <p:transition spd="med">
-        <p:fade/>
-      </p:transition>
-    </mc:Fallback>
-  </mc:AlternateContent>
-  <p:timing>
-    <p:tnLst>
-      <p:par>
-        <p:cTn id="1" dur="indefinite" restart="never" nodeType="tmRoot"/>
-      </p:par>
-    </p:tnLst>
-  </p:timing>
-</p:sld>
-</file>
-
-<file path=ppt/slides/slide6.xml><?xml version="1.0" encoding="utf-8"?>
-<p:sld xmlns:a="http://schemas.openxmlformats.org/drawingml/2006/main" xmlns:r="http://schemas.openxmlformats.org/officeDocument/2006/relationships" xmlns:p="http://schemas.openxmlformats.org/presentationml/2006/main">
-  <p:cSld>
-    <p:spTree>
-      <p:nvGrpSpPr>
-        <p:cNvPr id="1" name=""/>
-        <p:cNvGrpSpPr/>
-        <p:nvPr/>
-      </p:nvGrpSpPr>
-      <p:grpSpPr>
-        <a:xfrm>
-          <a:off x="0" y="0"/>
-          <a:ext cx="0" cy="0"/>
-          <a:chOff x="0" y="0"/>
-          <a:chExt cx="0" cy="0"/>
-        </a:xfrm>
-      </p:grpSpPr>
-      <p:sp>
-        <p:nvSpPr>
-          <p:cNvPr id="2" name="Título 1"/>
-          <p:cNvSpPr>
-            <a:spLocks noGrp="1"/>
-          </p:cNvSpPr>
-          <p:nvPr>
-            <p:ph type="title"/>
-          </p:nvPr>
-        </p:nvSpPr>
-        <p:spPr/>
-        <p:txBody>
-          <a:bodyPr/>
-          <a:lstStyle/>
-          <a:p>
-            <a:r>
-              <a:rPr lang="pt-BR" dirty="0" smtClean="0"/>
               <a:t>Busca em lote (</a:t>
             </a:r>
             <a:r>
@@ -11364,7 +10454,7 @@
 </p:sld>
 </file>
 
-<file path=ppt/slides/slide7.xml><?xml version="1.0" encoding="utf-8"?>
+<file path=ppt/slides/slide6.xml><?xml version="1.0" encoding="utf-8"?>
 <p:sld xmlns:a="http://schemas.openxmlformats.org/drawingml/2006/main" xmlns:r="http://schemas.openxmlformats.org/officeDocument/2006/relationships" xmlns:p="http://schemas.openxmlformats.org/presentationml/2006/main">
   <p:cSld>
     <p:spTree>
@@ -13361,7 +12451,7 @@
 </p:sld>
 </file>
 
-<file path=ppt/slides/slide8.xml><?xml version="1.0" encoding="utf-8"?>
+<file path=ppt/slides/slide7.xml><?xml version="1.0" encoding="utf-8"?>
 <p:sld xmlns:a="http://schemas.openxmlformats.org/drawingml/2006/main" xmlns:r="http://schemas.openxmlformats.org/officeDocument/2006/relationships" xmlns:p="http://schemas.openxmlformats.org/presentationml/2006/main">
   <p:cSld>
     <p:spTree>
@@ -13400,11 +12490,7 @@
           <a:p>
             <a:r>
               <a:rPr lang="pt-BR" dirty="0" smtClean="0"/>
-              <a:t>Consultas </a:t>
-            </a:r>
-            <a:r>
-              <a:rPr lang="pt-BR" dirty="0" smtClean="0"/>
-              <a:t>– </a:t>
+              <a:t>Consultas – </a:t>
             </a:r>
             <a:r>
               <a:rPr lang="pt-BR" dirty="0" err="1" smtClean="0"/>
@@ -15420,6 +14506,274 @@
 </p:sld>
 </file>
 
+<file path=ppt/slides/slide8.xml><?xml version="1.0" encoding="utf-8"?>
+<p:sld xmlns:a="http://schemas.openxmlformats.org/drawingml/2006/main" xmlns:r="http://schemas.openxmlformats.org/officeDocument/2006/relationships" xmlns:p="http://schemas.openxmlformats.org/presentationml/2006/main">
+  <p:cSld>
+    <p:spTree>
+      <p:nvGrpSpPr>
+        <p:cNvPr id="1" name=""/>
+        <p:cNvGrpSpPr/>
+        <p:nvPr/>
+      </p:nvGrpSpPr>
+      <p:grpSpPr>
+        <a:xfrm>
+          <a:off x="0" y="0"/>
+          <a:ext cx="0" cy="0"/>
+          <a:chOff x="0" y="0"/>
+          <a:chExt cx="0" cy="0"/>
+        </a:xfrm>
+      </p:grpSpPr>
+      <p:sp>
+        <p:nvSpPr>
+          <p:cNvPr id="2" name="Título 1"/>
+          <p:cNvSpPr>
+            <a:spLocks noGrp="1"/>
+          </p:cNvSpPr>
+          <p:nvPr>
+            <p:ph type="title"/>
+          </p:nvPr>
+        </p:nvSpPr>
+        <p:spPr/>
+        <p:txBody>
+          <a:bodyPr/>
+          <a:lstStyle/>
+          <a:p>
+            <a:r>
+              <a:rPr lang="pt-BR" dirty="0" smtClean="0"/>
+              <a:t>Consultas – HQL</a:t>
+            </a:r>
+            <a:endParaRPr lang="pt-BR" dirty="0"/>
+          </a:p>
+        </p:txBody>
+      </p:sp>
+      <p:sp>
+        <p:nvSpPr>
+          <p:cNvPr id="3" name="Espaço Reservado para Conteúdo 2"/>
+          <p:cNvSpPr>
+            <a:spLocks noGrp="1"/>
+          </p:cNvSpPr>
+          <p:nvPr>
+            <p:ph idx="1"/>
+          </p:nvPr>
+        </p:nvSpPr>
+        <p:spPr/>
+        <p:txBody>
+          <a:bodyPr/>
+          <a:lstStyle/>
+          <a:p>
+            <a:r>
+              <a:rPr lang="pt-BR" dirty="0" err="1" smtClean="0"/>
+              <a:t>Hibernate</a:t>
+            </a:r>
+            <a:r>
+              <a:rPr lang="pt-BR" dirty="0" smtClean="0"/>
+              <a:t> Query </a:t>
+            </a:r>
+            <a:r>
+              <a:rPr lang="pt-BR" dirty="0" err="1" smtClean="0"/>
+              <a:t>Language</a:t>
+            </a:r>
+            <a:endParaRPr lang="pt-BR" dirty="0" smtClean="0"/>
+          </a:p>
+          <a:p>
+            <a:r>
+              <a:rPr lang="pt-BR" dirty="0" smtClean="0"/>
+              <a:t>Case </a:t>
+            </a:r>
+            <a:r>
+              <a:rPr lang="pt-BR" dirty="0" err="1"/>
+              <a:t>Sensitivity</a:t>
+            </a:r>
+            <a:endParaRPr lang="pt-BR" dirty="0"/>
+          </a:p>
+          <a:p>
+            <a:r>
+              <a:rPr lang="pt-BR" dirty="0" err="1" smtClean="0"/>
+              <a:t>from</a:t>
+            </a:r>
+            <a:r>
+              <a:rPr lang="pt-BR" dirty="0" smtClean="0"/>
+              <a:t> </a:t>
+            </a:r>
+            <a:r>
+              <a:rPr lang="pt-BR" dirty="0" err="1" smtClean="0"/>
+              <a:t>clause</a:t>
+            </a:r>
+            <a:endParaRPr lang="pt-BR" dirty="0" smtClean="0"/>
+          </a:p>
+          <a:p>
+            <a:pPr marL="365760" lvl="1" indent="0">
+              <a:buNone/>
+            </a:pPr>
+            <a:endParaRPr lang="pt-BR" dirty="0"/>
+          </a:p>
+          <a:p>
+            <a:pPr marL="365760" lvl="1" indent="0">
+              <a:buNone/>
+            </a:pPr>
+            <a:r>
+              <a:rPr lang="pt-BR" dirty="0" smtClean="0"/>
+              <a:t>“</a:t>
+            </a:r>
+            <a:r>
+              <a:rPr lang="pt-BR" dirty="0" err="1" smtClean="0"/>
+              <a:t>from</a:t>
+            </a:r>
+            <a:r>
+              <a:rPr lang="pt-BR" dirty="0" smtClean="0"/>
+              <a:t> Pais”</a:t>
+            </a:r>
+          </a:p>
+          <a:p>
+            <a:pPr marL="365760" lvl="1" indent="0">
+              <a:buNone/>
+            </a:pPr>
+            <a:r>
+              <a:rPr lang="pt-BR" dirty="0" smtClean="0"/>
+              <a:t>“</a:t>
+            </a:r>
+            <a:r>
+              <a:rPr lang="pt-BR" dirty="0" err="1" smtClean="0"/>
+              <a:t>from</a:t>
+            </a:r>
+            <a:r>
+              <a:rPr lang="pt-BR" dirty="0" smtClean="0"/>
+              <a:t> Estado as estado </a:t>
+            </a:r>
+            <a:r>
+              <a:rPr lang="pt-BR" dirty="0" err="1" smtClean="0"/>
+              <a:t>join</a:t>
+            </a:r>
+            <a:r>
+              <a:rPr lang="pt-BR" dirty="0" smtClean="0"/>
+              <a:t> </a:t>
+            </a:r>
+            <a:r>
+              <a:rPr lang="pt-BR" dirty="0" err="1" smtClean="0"/>
+              <a:t>estado.Pais</a:t>
+            </a:r>
+            <a:r>
+              <a:rPr lang="pt-BR" dirty="0" smtClean="0"/>
+              <a:t> pais”</a:t>
+            </a:r>
+          </a:p>
+          <a:p>
+            <a:pPr marL="365760" lvl="1" indent="0">
+              <a:buNone/>
+            </a:pPr>
+            <a:r>
+              <a:rPr lang="pt-BR" dirty="0" smtClean="0"/>
+              <a:t>“</a:t>
+            </a:r>
+            <a:r>
+              <a:rPr lang="pt-BR" dirty="0" err="1" smtClean="0"/>
+              <a:t>from</a:t>
+            </a:r>
+            <a:r>
+              <a:rPr lang="pt-BR" dirty="0" smtClean="0"/>
+              <a:t> Pais pais </a:t>
+            </a:r>
+            <a:r>
+              <a:rPr lang="pt-BR" dirty="0" err="1" smtClean="0"/>
+              <a:t>where</a:t>
+            </a:r>
+            <a:r>
+              <a:rPr lang="pt-BR" dirty="0" smtClean="0"/>
+              <a:t> </a:t>
+            </a:r>
+            <a:r>
+              <a:rPr lang="pt-BR" dirty="0" err="1" smtClean="0"/>
+              <a:t>pais.Nome</a:t>
+            </a:r>
+            <a:r>
+              <a:rPr lang="pt-BR" dirty="0" smtClean="0"/>
+              <a:t> = ‘Brasil’”</a:t>
+            </a:r>
+          </a:p>
+          <a:p>
+            <a:pPr marL="365760" lvl="1" indent="0">
+              <a:buNone/>
+            </a:pPr>
+            <a:r>
+              <a:rPr lang="pt-BR" dirty="0" smtClean="0"/>
+              <a:t>“</a:t>
+            </a:r>
+            <a:r>
+              <a:rPr lang="pt-BR" dirty="0" err="1" smtClean="0"/>
+              <a:t>select</a:t>
+            </a:r>
+            <a:r>
+              <a:rPr lang="pt-BR" dirty="0" smtClean="0"/>
+              <a:t> </a:t>
+            </a:r>
+            <a:r>
+              <a:rPr lang="pt-BR" dirty="0" err="1" smtClean="0"/>
+              <a:t>estado.Pais.Nome</a:t>
+            </a:r>
+            <a:r>
+              <a:rPr lang="pt-BR" dirty="0" smtClean="0"/>
+              <a:t> </a:t>
+            </a:r>
+            <a:r>
+              <a:rPr lang="pt-BR" dirty="0" err="1" smtClean="0"/>
+              <a:t>from</a:t>
+            </a:r>
+            <a:r>
+              <a:rPr lang="pt-BR" dirty="0" smtClean="0"/>
+              <a:t> </a:t>
+            </a:r>
+            <a:r>
+              <a:rPr lang="pt-BR" dirty="0" err="1" smtClean="0"/>
+              <a:t>Model.Estado</a:t>
+            </a:r>
+            <a:r>
+              <a:rPr lang="pt-BR" dirty="0" smtClean="0"/>
+              <a:t> estado”</a:t>
+            </a:r>
+          </a:p>
+          <a:p>
+            <a:pPr marL="365760" lvl="1" indent="0">
+              <a:buNone/>
+            </a:pPr>
+            <a:endParaRPr lang="pt-BR" dirty="0"/>
+          </a:p>
+          <a:p>
+            <a:endParaRPr lang="pt-BR" dirty="0"/>
+          </a:p>
+        </p:txBody>
+      </p:sp>
+    </p:spTree>
+    <p:extLst>
+      <p:ext uri="{BB962C8B-B14F-4D97-AF65-F5344CB8AC3E}">
+        <p14:creationId xmlns:p14="http://schemas.microsoft.com/office/powerpoint/2010/main" val="1273301133"/>
+      </p:ext>
+    </p:extLst>
+  </p:cSld>
+  <p:clrMapOvr>
+    <a:masterClrMapping/>
+  </p:clrMapOvr>
+  <mc:AlternateContent xmlns:mc="http://schemas.openxmlformats.org/markup-compatibility/2006" xmlns:p14="http://schemas.microsoft.com/office/powerpoint/2010/main">
+    <mc:Choice Requires="p14">
+      <p:transition spd="med" p14:dur="700">
+        <p:fade/>
+      </p:transition>
+    </mc:Choice>
+    <mc:Fallback xmlns="">
+      <p:transition spd="med">
+        <p:fade/>
+      </p:transition>
+    </mc:Fallback>
+  </mc:AlternateContent>
+  <p:timing>
+    <p:tnLst>
+      <p:par>
+        <p:cTn id="1" dur="indefinite" restart="never" nodeType="tmRoot"/>
+      </p:par>
+    </p:tnLst>
+  </p:timing>
+</p:sld>
+</file>
+
 <file path=ppt/slides/slide9.xml><?xml version="1.0" encoding="utf-8"?>
 <p:sld xmlns:a="http://schemas.openxmlformats.org/drawingml/2006/main" xmlns:r="http://schemas.openxmlformats.org/officeDocument/2006/relationships" xmlns:p="http://schemas.openxmlformats.org/presentationml/2006/main">
   <p:cSld>
@@ -15462,196 +14816,1082 @@
       </p:sp>
       <p:sp>
         <p:nvSpPr>
-          <p:cNvPr id="3" name="Espaço Reservado para Conteúdo 2"/>
-          <p:cNvSpPr>
-            <a:spLocks noGrp="1"/>
+          <p:cNvPr id="5" name="Espaço Reservado para Conteúdo 2"/>
+          <p:cNvSpPr txBox="1">
+            <a:spLocks/>
           </p:cNvSpPr>
-          <p:nvPr>
-            <p:ph idx="1"/>
-          </p:nvPr>
+          <p:nvPr/>
         </p:nvSpPr>
-        <p:spPr/>
+        <p:spPr>
+          <a:xfrm>
+            <a:off x="1346036" y="4114800"/>
+            <a:ext cx="9509760" cy="1521346"/>
+          </a:xfrm>
+          <a:prstGeom prst="rect">
+            <a:avLst/>
+          </a:prstGeom>
+        </p:spPr>
+        <p:style>
+          <a:lnRef idx="2">
+            <a:schemeClr val="accent1"/>
+          </a:lnRef>
+          <a:fillRef idx="1">
+            <a:schemeClr val="lt1"/>
+          </a:fillRef>
+          <a:effectRef idx="0">
+            <a:schemeClr val="accent1"/>
+          </a:effectRef>
+          <a:fontRef idx="minor">
+            <a:schemeClr val="dk1"/>
+          </a:fontRef>
+        </p:style>
         <p:txBody>
-          <a:bodyPr/>
-          <a:lstStyle/>
-          <a:p>
-            <a:r>
-              <a:rPr lang="pt-BR" dirty="0" err="1" smtClean="0"/>
-              <a:t>Hibernate</a:t>
-            </a:r>
-            <a:r>
-              <a:rPr lang="pt-BR" dirty="0" smtClean="0"/>
-              <a:t> Query </a:t>
-            </a:r>
-            <a:r>
-              <a:rPr lang="pt-BR" dirty="0" err="1" smtClean="0"/>
-              <a:t>Language</a:t>
-            </a:r>
-            <a:endParaRPr lang="pt-BR" dirty="0" smtClean="0"/>
-          </a:p>
-          <a:p>
-            <a:r>
-              <a:rPr lang="pt-BR" dirty="0" smtClean="0"/>
-              <a:t>Case </a:t>
-            </a:r>
-            <a:r>
-              <a:rPr lang="pt-BR" dirty="0" err="1"/>
-              <a:t>Sensitivity</a:t>
-            </a:r>
-            <a:endParaRPr lang="pt-BR" dirty="0"/>
-          </a:p>
-          <a:p>
-            <a:r>
-              <a:rPr lang="pt-BR" dirty="0" err="1" smtClean="0"/>
-              <a:t>from</a:t>
-            </a:r>
-            <a:r>
-              <a:rPr lang="pt-BR" dirty="0" smtClean="0"/>
-              <a:t> </a:t>
-            </a:r>
-            <a:r>
-              <a:rPr lang="pt-BR" dirty="0" err="1" smtClean="0"/>
-              <a:t>clause</a:t>
-            </a:r>
-            <a:endParaRPr lang="pt-BR" dirty="0" smtClean="0"/>
-          </a:p>
-          <a:p>
-            <a:pPr marL="365760" lvl="1" indent="0">
+          <a:bodyPr vert="horz" lIns="91440" tIns="45720" rIns="91440" bIns="45720" rtlCol="0">
+            <a:normAutofit/>
+          </a:bodyPr>
+          <a:lstStyle>
+            <a:lvl1pPr marL="274320" indent="-228600" algn="l" defTabSz="914400" rtl="0" eaLnBrk="1" latinLnBrk="0" hangingPunct="1">
+              <a:lnSpc>
+                <a:spcPct val="90000"/>
+              </a:lnSpc>
+              <a:spcBef>
+                <a:spcPts val="1800"/>
+              </a:spcBef>
+              <a:buClr>
+                <a:schemeClr val="tx2"/>
+              </a:buClr>
+              <a:buSzPct val="80000"/>
+              <a:buFont typeface="Wingdings" pitchFamily="2" charset="2"/>
+              <a:buChar char="§"/>
+              <a:defRPr sz="2000" kern="1200">
+                <a:solidFill>
+                  <a:schemeClr val="dk1"/>
+                </a:solidFill>
+                <a:latin typeface="+mn-lt"/>
+                <a:ea typeface="+mn-ea"/>
+                <a:cs typeface="+mn-cs"/>
+              </a:defRPr>
+            </a:lvl1pPr>
+            <a:lvl2pPr marL="594360" indent="-228600" algn="l" defTabSz="914400" rtl="0" eaLnBrk="1" latinLnBrk="0" hangingPunct="1">
+              <a:lnSpc>
+                <a:spcPct val="90000"/>
+              </a:lnSpc>
+              <a:spcBef>
+                <a:spcPts val="1000"/>
+              </a:spcBef>
+              <a:buClr>
+                <a:schemeClr val="tx2"/>
+              </a:buClr>
+              <a:buSzPct val="80000"/>
+              <a:buFont typeface="Wingdings" pitchFamily="2" charset="2"/>
+              <a:buChar char="§"/>
+              <a:defRPr sz="1800" kern="1200">
+                <a:solidFill>
+                  <a:schemeClr val="dk1"/>
+                </a:solidFill>
+                <a:latin typeface="+mn-lt"/>
+                <a:ea typeface="+mn-ea"/>
+                <a:cs typeface="+mn-cs"/>
+              </a:defRPr>
+            </a:lvl2pPr>
+            <a:lvl3pPr marL="914400" indent="-228600" algn="l" defTabSz="914400" rtl="0" eaLnBrk="1" latinLnBrk="0" hangingPunct="1">
+              <a:lnSpc>
+                <a:spcPct val="90000"/>
+              </a:lnSpc>
+              <a:spcBef>
+                <a:spcPts val="800"/>
+              </a:spcBef>
+              <a:buClr>
+                <a:schemeClr val="tx2"/>
+              </a:buClr>
+              <a:buSzPct val="80000"/>
+              <a:buFont typeface="Wingdings" pitchFamily="2" charset="2"/>
+              <a:buChar char="§"/>
+              <a:defRPr sz="1600" kern="1200">
+                <a:solidFill>
+                  <a:schemeClr val="dk1"/>
+                </a:solidFill>
+                <a:latin typeface="+mn-lt"/>
+                <a:ea typeface="+mn-ea"/>
+                <a:cs typeface="+mn-cs"/>
+              </a:defRPr>
+            </a:lvl3pPr>
+            <a:lvl4pPr marL="1234440" indent="-228600" algn="l" defTabSz="914400" rtl="0" eaLnBrk="1" latinLnBrk="0" hangingPunct="1">
+              <a:lnSpc>
+                <a:spcPct val="90000"/>
+              </a:lnSpc>
+              <a:spcBef>
+                <a:spcPts val="800"/>
+              </a:spcBef>
+              <a:buClr>
+                <a:schemeClr val="tx2"/>
+              </a:buClr>
+              <a:buSzPct val="80000"/>
+              <a:buFont typeface="Wingdings" pitchFamily="2" charset="2"/>
+              <a:buChar char="§"/>
+              <a:defRPr sz="1400" kern="1200">
+                <a:solidFill>
+                  <a:schemeClr val="dk1"/>
+                </a:solidFill>
+                <a:latin typeface="+mn-lt"/>
+                <a:ea typeface="+mn-ea"/>
+                <a:cs typeface="+mn-cs"/>
+              </a:defRPr>
+            </a:lvl4pPr>
+            <a:lvl5pPr marL="1554480" indent="-228600" algn="l" defTabSz="914400" rtl="0" eaLnBrk="1" latinLnBrk="0" hangingPunct="1">
+              <a:lnSpc>
+                <a:spcPct val="90000"/>
+              </a:lnSpc>
+              <a:spcBef>
+                <a:spcPts val="800"/>
+              </a:spcBef>
+              <a:buClr>
+                <a:schemeClr val="tx2"/>
+              </a:buClr>
+              <a:buSzPct val="80000"/>
+              <a:buFont typeface="Wingdings" pitchFamily="2" charset="2"/>
+              <a:buChar char="§"/>
+              <a:defRPr sz="1400" kern="1200">
+                <a:solidFill>
+                  <a:schemeClr val="dk1"/>
+                </a:solidFill>
+                <a:latin typeface="+mn-lt"/>
+                <a:ea typeface="+mn-ea"/>
+                <a:cs typeface="+mn-cs"/>
+              </a:defRPr>
+            </a:lvl5pPr>
+            <a:lvl6pPr marL="1874520" indent="-228600" algn="l" defTabSz="914400" rtl="0" eaLnBrk="1" latinLnBrk="0" hangingPunct="1">
+              <a:lnSpc>
+                <a:spcPct val="90000"/>
+              </a:lnSpc>
+              <a:spcBef>
+                <a:spcPts val="800"/>
+              </a:spcBef>
+              <a:buSzPct val="80000"/>
+              <a:buFont typeface="Wingdings" pitchFamily="2" charset="2"/>
+              <a:buChar char="§"/>
+              <a:defRPr sz="1400" kern="1200">
+                <a:solidFill>
+                  <a:schemeClr val="dk1"/>
+                </a:solidFill>
+                <a:latin typeface="+mn-lt"/>
+                <a:ea typeface="+mn-ea"/>
+                <a:cs typeface="+mn-cs"/>
+              </a:defRPr>
+            </a:lvl6pPr>
+            <a:lvl7pPr marL="2194560" indent="-228600" algn="l" defTabSz="914400" rtl="0" eaLnBrk="1" latinLnBrk="0" hangingPunct="1">
+              <a:lnSpc>
+                <a:spcPct val="90000"/>
+              </a:lnSpc>
+              <a:spcBef>
+                <a:spcPts val="800"/>
+              </a:spcBef>
+              <a:buSzPct val="80000"/>
+              <a:buFont typeface="Wingdings" pitchFamily="2" charset="2"/>
+              <a:buChar char="§"/>
+              <a:defRPr sz="1400" kern="1200" baseline="0">
+                <a:solidFill>
+                  <a:schemeClr val="dk1"/>
+                </a:solidFill>
+                <a:latin typeface="+mn-lt"/>
+                <a:ea typeface="+mn-ea"/>
+                <a:cs typeface="+mn-cs"/>
+              </a:defRPr>
+            </a:lvl7pPr>
+            <a:lvl8pPr marL="2514600" indent="-228600" algn="l" defTabSz="914400" rtl="0" eaLnBrk="1" latinLnBrk="0" hangingPunct="1">
+              <a:lnSpc>
+                <a:spcPct val="90000"/>
+              </a:lnSpc>
+              <a:spcBef>
+                <a:spcPts val="800"/>
+              </a:spcBef>
+              <a:buSzPct val="80000"/>
+              <a:buFont typeface="Wingdings" pitchFamily="2" charset="2"/>
+              <a:buChar char="§"/>
+              <a:defRPr sz="1400" kern="1200" baseline="0">
+                <a:solidFill>
+                  <a:schemeClr val="dk1"/>
+                </a:solidFill>
+                <a:latin typeface="+mn-lt"/>
+                <a:ea typeface="+mn-ea"/>
+                <a:cs typeface="+mn-cs"/>
+              </a:defRPr>
+            </a:lvl8pPr>
+            <a:lvl9pPr marL="2834640" indent="-228600" algn="l" defTabSz="914400" rtl="0" eaLnBrk="1" latinLnBrk="0" hangingPunct="1">
+              <a:lnSpc>
+                <a:spcPct val="90000"/>
+              </a:lnSpc>
+              <a:spcBef>
+                <a:spcPts val="800"/>
+              </a:spcBef>
+              <a:buSzPct val="80000"/>
+              <a:buFont typeface="Wingdings" pitchFamily="2" charset="2"/>
+              <a:buChar char="§"/>
+              <a:defRPr sz="1400" kern="1200" baseline="0">
+                <a:solidFill>
+                  <a:schemeClr val="dk1"/>
+                </a:solidFill>
+                <a:latin typeface="+mn-lt"/>
+                <a:ea typeface="+mn-ea"/>
+                <a:cs typeface="+mn-cs"/>
+              </a:defRPr>
+            </a:lvl9pPr>
+          </a:lstStyle>
+          <a:p>
+            <a:pPr marL="45720" indent="0">
               <a:buNone/>
             </a:pPr>
+            <a:r>
+              <a:rPr lang="en-US" dirty="0" err="1" smtClean="0">
+                <a:solidFill>
+                  <a:srgbClr val="2B91AF"/>
+                </a:solidFill>
+                <a:highlight>
+                  <a:srgbClr val="FFFFFF"/>
+                </a:highlight>
+                <a:latin typeface="Consolas" panose="020B0609020204030204" pitchFamily="49" charset="0"/>
+              </a:rPr>
+              <a:t>IQuery</a:t>
+            </a:r>
+            <a:r>
+              <a:rPr lang="en-US" dirty="0" smtClean="0">
+                <a:solidFill>
+                  <a:srgbClr val="000000"/>
+                </a:solidFill>
+                <a:highlight>
+                  <a:srgbClr val="FFFFFF"/>
+                </a:highlight>
+                <a:latin typeface="Consolas" panose="020B0609020204030204" pitchFamily="49" charset="0"/>
+              </a:rPr>
+              <a:t> </a:t>
+            </a:r>
+            <a:r>
+              <a:rPr lang="en-US" dirty="0">
+                <a:solidFill>
+                  <a:srgbClr val="000000"/>
+                </a:solidFill>
+                <a:highlight>
+                  <a:srgbClr val="FFFFFF"/>
+                </a:highlight>
+                <a:latin typeface="Consolas" panose="020B0609020204030204" pitchFamily="49" charset="0"/>
+              </a:rPr>
+              <a:t>q = </a:t>
+            </a:r>
+            <a:r>
+              <a:rPr lang="en-US" dirty="0" err="1">
+                <a:solidFill>
+                  <a:srgbClr val="000000"/>
+                </a:solidFill>
+                <a:highlight>
+                  <a:srgbClr val="FFFFFF"/>
+                </a:highlight>
+                <a:latin typeface="Consolas" panose="020B0609020204030204" pitchFamily="49" charset="0"/>
+              </a:rPr>
+              <a:t>session.CreateQuery</a:t>
+            </a:r>
+            <a:r>
+              <a:rPr lang="en-US" dirty="0">
+                <a:solidFill>
+                  <a:srgbClr val="000000"/>
+                </a:solidFill>
+                <a:highlight>
+                  <a:srgbClr val="FFFFFF"/>
+                </a:highlight>
+                <a:latin typeface="Consolas" panose="020B0609020204030204" pitchFamily="49" charset="0"/>
+              </a:rPr>
+              <a:t>(</a:t>
+            </a:r>
+            <a:r>
+              <a:rPr lang="en-US" dirty="0">
+                <a:solidFill>
+                  <a:srgbClr val="A31515"/>
+                </a:solidFill>
+                <a:highlight>
+                  <a:srgbClr val="FFFFFF"/>
+                </a:highlight>
+                <a:latin typeface="Consolas" panose="020B0609020204030204" pitchFamily="49" charset="0"/>
+              </a:rPr>
+              <a:t>"select count(*) from Estado</a:t>
+            </a:r>
+            <a:r>
+              <a:rPr lang="en-US" dirty="0" smtClean="0">
+                <a:solidFill>
+                  <a:srgbClr val="A31515"/>
+                </a:solidFill>
+                <a:highlight>
+                  <a:srgbClr val="FFFFFF"/>
+                </a:highlight>
+                <a:latin typeface="Consolas" panose="020B0609020204030204" pitchFamily="49" charset="0"/>
+              </a:rPr>
+              <a:t>"</a:t>
+            </a:r>
+            <a:r>
+              <a:rPr lang="en-US" dirty="0" smtClean="0">
+                <a:solidFill>
+                  <a:srgbClr val="000000"/>
+                </a:solidFill>
+                <a:highlight>
+                  <a:srgbClr val="FFFFFF"/>
+                </a:highlight>
+                <a:latin typeface="Consolas" panose="020B0609020204030204" pitchFamily="49" charset="0"/>
+              </a:rPr>
+              <a:t>);</a:t>
+            </a:r>
+            <a:br>
+              <a:rPr lang="en-US" dirty="0" smtClean="0">
+                <a:solidFill>
+                  <a:srgbClr val="000000"/>
+                </a:solidFill>
+                <a:highlight>
+                  <a:srgbClr val="FFFFFF"/>
+                </a:highlight>
+                <a:latin typeface="Consolas" panose="020B0609020204030204" pitchFamily="49" charset="0"/>
+              </a:rPr>
+            </a:br>
+            <a:r>
+              <a:rPr lang="pt-BR" dirty="0" smtClean="0">
+                <a:solidFill>
+                  <a:srgbClr val="0000FF"/>
+                </a:solidFill>
+                <a:highlight>
+                  <a:srgbClr val="FFFFFF"/>
+                </a:highlight>
+                <a:latin typeface="Consolas" panose="020B0609020204030204" pitchFamily="49" charset="0"/>
+              </a:rPr>
+              <a:t>var</a:t>
+            </a:r>
+            <a:r>
+              <a:rPr lang="pt-BR" dirty="0" smtClean="0">
+                <a:solidFill>
+                  <a:srgbClr val="000000"/>
+                </a:solidFill>
+                <a:highlight>
+                  <a:srgbClr val="FFFFFF"/>
+                </a:highlight>
+                <a:latin typeface="Consolas" panose="020B0609020204030204" pitchFamily="49" charset="0"/>
+              </a:rPr>
+              <a:t> </a:t>
+            </a:r>
+            <a:r>
+              <a:rPr lang="pt-BR" dirty="0" err="1">
+                <a:solidFill>
+                  <a:srgbClr val="000000"/>
+                </a:solidFill>
+                <a:highlight>
+                  <a:srgbClr val="FFFFFF"/>
+                </a:highlight>
+                <a:latin typeface="Consolas" panose="020B0609020204030204" pitchFamily="49" charset="0"/>
+              </a:rPr>
+              <a:t>quantidadeEstado</a:t>
+            </a:r>
+            <a:r>
+              <a:rPr lang="pt-BR" dirty="0">
+                <a:solidFill>
+                  <a:srgbClr val="000000"/>
+                </a:solidFill>
+                <a:highlight>
+                  <a:srgbClr val="FFFFFF"/>
+                </a:highlight>
+                <a:latin typeface="Consolas" panose="020B0609020204030204" pitchFamily="49" charset="0"/>
+              </a:rPr>
+              <a:t> = </a:t>
+            </a:r>
+            <a:r>
+              <a:rPr lang="pt-BR" dirty="0" err="1">
+                <a:solidFill>
+                  <a:srgbClr val="000000"/>
+                </a:solidFill>
+                <a:highlight>
+                  <a:srgbClr val="FFFFFF"/>
+                </a:highlight>
+                <a:latin typeface="Consolas" panose="020B0609020204030204" pitchFamily="49" charset="0"/>
+              </a:rPr>
+              <a:t>q.UniqueResult</a:t>
+            </a:r>
+            <a:r>
+              <a:rPr lang="pt-BR" dirty="0">
+                <a:solidFill>
+                  <a:srgbClr val="000000"/>
+                </a:solidFill>
+                <a:highlight>
+                  <a:srgbClr val="FFFFFF"/>
+                </a:highlight>
+                <a:latin typeface="Consolas" panose="020B0609020204030204" pitchFamily="49" charset="0"/>
+              </a:rPr>
+              <a:t>&lt;</a:t>
+            </a:r>
+            <a:r>
+              <a:rPr lang="pt-BR" dirty="0" err="1">
+                <a:solidFill>
+                  <a:srgbClr val="0000FF"/>
+                </a:solidFill>
+                <a:highlight>
+                  <a:srgbClr val="FFFFFF"/>
+                </a:highlight>
+                <a:latin typeface="Consolas" panose="020B0609020204030204" pitchFamily="49" charset="0"/>
+              </a:rPr>
+              <a:t>long</a:t>
+            </a:r>
+            <a:r>
+              <a:rPr lang="pt-BR" dirty="0" smtClean="0">
+                <a:solidFill>
+                  <a:srgbClr val="000000"/>
+                </a:solidFill>
+                <a:highlight>
+                  <a:srgbClr val="FFFFFF"/>
+                </a:highlight>
+                <a:latin typeface="Consolas" panose="020B0609020204030204" pitchFamily="49" charset="0"/>
+              </a:rPr>
+              <a:t>&gt;();</a:t>
+            </a:r>
+            <a:br>
+              <a:rPr lang="pt-BR" dirty="0" smtClean="0">
+                <a:solidFill>
+                  <a:srgbClr val="000000"/>
+                </a:solidFill>
+                <a:highlight>
+                  <a:srgbClr val="FFFFFF"/>
+                </a:highlight>
+                <a:latin typeface="Consolas" panose="020B0609020204030204" pitchFamily="49" charset="0"/>
+              </a:rPr>
+            </a:br>
+            <a:r>
+              <a:rPr lang="pt-BR" dirty="0" err="1" smtClean="0">
+                <a:solidFill>
+                  <a:srgbClr val="2B91AF"/>
+                </a:solidFill>
+                <a:highlight>
+                  <a:srgbClr val="FFFFFF"/>
+                </a:highlight>
+                <a:latin typeface="Consolas" panose="020B0609020204030204" pitchFamily="49" charset="0"/>
+              </a:rPr>
+              <a:t>Console</a:t>
+            </a:r>
+            <a:r>
+              <a:rPr lang="pt-BR" dirty="0" err="1" smtClean="0">
+                <a:solidFill>
+                  <a:srgbClr val="000000"/>
+                </a:solidFill>
+                <a:highlight>
+                  <a:srgbClr val="FFFFFF"/>
+                </a:highlight>
+                <a:latin typeface="Consolas" panose="020B0609020204030204" pitchFamily="49" charset="0"/>
+              </a:rPr>
+              <a:t>.WriteLine</a:t>
+            </a:r>
+            <a:r>
+              <a:rPr lang="pt-BR" dirty="0">
+                <a:solidFill>
+                  <a:srgbClr val="000000"/>
+                </a:solidFill>
+                <a:highlight>
+                  <a:srgbClr val="FFFFFF"/>
+                </a:highlight>
+                <a:latin typeface="Consolas" panose="020B0609020204030204" pitchFamily="49" charset="0"/>
+              </a:rPr>
+              <a:t>(</a:t>
+            </a:r>
+            <a:r>
+              <a:rPr lang="pt-BR" dirty="0">
+                <a:solidFill>
+                  <a:srgbClr val="A31515"/>
+                </a:solidFill>
+                <a:highlight>
+                  <a:srgbClr val="FFFFFF"/>
+                </a:highlight>
+                <a:latin typeface="Consolas" panose="020B0609020204030204" pitchFamily="49" charset="0"/>
+              </a:rPr>
+              <a:t>"Quantidade estados: </a:t>
+            </a:r>
+            <a:r>
+              <a:rPr lang="pt-BR" dirty="0">
+                <a:solidFill>
+                  <a:srgbClr val="3CB371"/>
+                </a:solidFill>
+                <a:highlight>
+                  <a:srgbClr val="FFFFFF"/>
+                </a:highlight>
+                <a:latin typeface="Consolas" panose="020B0609020204030204" pitchFamily="49" charset="0"/>
+              </a:rPr>
+              <a:t>{0}</a:t>
+            </a:r>
+            <a:r>
+              <a:rPr lang="pt-BR" dirty="0">
+                <a:solidFill>
+                  <a:srgbClr val="A31515"/>
+                </a:solidFill>
+                <a:highlight>
+                  <a:srgbClr val="FFFFFF"/>
+                </a:highlight>
+                <a:latin typeface="Consolas" panose="020B0609020204030204" pitchFamily="49" charset="0"/>
+              </a:rPr>
+              <a:t>"</a:t>
+            </a:r>
+            <a:r>
+              <a:rPr lang="pt-BR" dirty="0">
+                <a:solidFill>
+                  <a:srgbClr val="000000"/>
+                </a:solidFill>
+                <a:highlight>
+                  <a:srgbClr val="FFFFFF"/>
+                </a:highlight>
+                <a:latin typeface="Consolas" panose="020B0609020204030204" pitchFamily="49" charset="0"/>
+              </a:rPr>
+              <a:t>, </a:t>
+            </a:r>
+            <a:r>
+              <a:rPr lang="pt-BR" dirty="0" err="1">
+                <a:solidFill>
+                  <a:srgbClr val="000000"/>
+                </a:solidFill>
+                <a:highlight>
+                  <a:srgbClr val="FFFFFF"/>
+                </a:highlight>
+                <a:latin typeface="Consolas" panose="020B0609020204030204" pitchFamily="49" charset="0"/>
+              </a:rPr>
+              <a:t>quantidadeEstado</a:t>
+            </a:r>
+            <a:r>
+              <a:rPr lang="pt-BR" dirty="0">
+                <a:solidFill>
+                  <a:srgbClr val="000000"/>
+                </a:solidFill>
+                <a:highlight>
+                  <a:srgbClr val="FFFFFF"/>
+                </a:highlight>
+                <a:latin typeface="Consolas" panose="020B0609020204030204" pitchFamily="49" charset="0"/>
+              </a:rPr>
+              <a:t>);</a:t>
+            </a:r>
             <a:endParaRPr lang="pt-BR" dirty="0"/>
           </a:p>
-          <a:p>
-            <a:pPr marL="365760" lvl="1" indent="0">
+        </p:txBody>
+      </p:sp>
+      <p:sp>
+        <p:nvSpPr>
+          <p:cNvPr id="6" name="Espaço Reservado para Conteúdo 2"/>
+          <p:cNvSpPr txBox="1">
+            <a:spLocks/>
+          </p:cNvSpPr>
+          <p:nvPr/>
+        </p:nvSpPr>
+        <p:spPr>
+          <a:xfrm>
+            <a:off x="1341120" y="2133600"/>
+            <a:ext cx="9509760" cy="1371600"/>
+          </a:xfrm>
+          <a:prstGeom prst="rect">
+            <a:avLst/>
+          </a:prstGeom>
+        </p:spPr>
+        <p:style>
+          <a:lnRef idx="2">
+            <a:schemeClr val="accent1"/>
+          </a:lnRef>
+          <a:fillRef idx="1">
+            <a:schemeClr val="lt1"/>
+          </a:fillRef>
+          <a:effectRef idx="0">
+            <a:schemeClr val="accent1"/>
+          </a:effectRef>
+          <a:fontRef idx="minor">
+            <a:schemeClr val="dk1"/>
+          </a:fontRef>
+        </p:style>
+        <p:txBody>
+          <a:bodyPr vert="horz" lIns="91440" tIns="45720" rIns="91440" bIns="45720" rtlCol="0">
+            <a:normAutofit/>
+          </a:bodyPr>
+          <a:lstStyle>
+            <a:lvl1pPr marL="274320" indent="-228600" algn="l" defTabSz="914400" rtl="0" eaLnBrk="1" latinLnBrk="0" hangingPunct="1">
+              <a:lnSpc>
+                <a:spcPct val="90000"/>
+              </a:lnSpc>
+              <a:spcBef>
+                <a:spcPts val="1800"/>
+              </a:spcBef>
+              <a:buClr>
+                <a:schemeClr val="tx2"/>
+              </a:buClr>
+              <a:buSzPct val="80000"/>
+              <a:buFont typeface="Wingdings" pitchFamily="2" charset="2"/>
+              <a:buChar char="§"/>
+              <a:defRPr sz="2000" kern="1200">
+                <a:solidFill>
+                  <a:schemeClr val="dk1"/>
+                </a:solidFill>
+                <a:latin typeface="+mn-lt"/>
+                <a:ea typeface="+mn-ea"/>
+                <a:cs typeface="+mn-cs"/>
+              </a:defRPr>
+            </a:lvl1pPr>
+            <a:lvl2pPr marL="594360" indent="-228600" algn="l" defTabSz="914400" rtl="0" eaLnBrk="1" latinLnBrk="0" hangingPunct="1">
+              <a:lnSpc>
+                <a:spcPct val="90000"/>
+              </a:lnSpc>
+              <a:spcBef>
+                <a:spcPts val="1000"/>
+              </a:spcBef>
+              <a:buClr>
+                <a:schemeClr val="tx2"/>
+              </a:buClr>
+              <a:buSzPct val="80000"/>
+              <a:buFont typeface="Wingdings" pitchFamily="2" charset="2"/>
+              <a:buChar char="§"/>
+              <a:defRPr sz="1800" kern="1200">
+                <a:solidFill>
+                  <a:schemeClr val="dk1"/>
+                </a:solidFill>
+                <a:latin typeface="+mn-lt"/>
+                <a:ea typeface="+mn-ea"/>
+                <a:cs typeface="+mn-cs"/>
+              </a:defRPr>
+            </a:lvl2pPr>
+            <a:lvl3pPr marL="914400" indent="-228600" algn="l" defTabSz="914400" rtl="0" eaLnBrk="1" latinLnBrk="0" hangingPunct="1">
+              <a:lnSpc>
+                <a:spcPct val="90000"/>
+              </a:lnSpc>
+              <a:spcBef>
+                <a:spcPts val="800"/>
+              </a:spcBef>
+              <a:buClr>
+                <a:schemeClr val="tx2"/>
+              </a:buClr>
+              <a:buSzPct val="80000"/>
+              <a:buFont typeface="Wingdings" pitchFamily="2" charset="2"/>
+              <a:buChar char="§"/>
+              <a:defRPr sz="1600" kern="1200">
+                <a:solidFill>
+                  <a:schemeClr val="dk1"/>
+                </a:solidFill>
+                <a:latin typeface="+mn-lt"/>
+                <a:ea typeface="+mn-ea"/>
+                <a:cs typeface="+mn-cs"/>
+              </a:defRPr>
+            </a:lvl3pPr>
+            <a:lvl4pPr marL="1234440" indent="-228600" algn="l" defTabSz="914400" rtl="0" eaLnBrk="1" latinLnBrk="0" hangingPunct="1">
+              <a:lnSpc>
+                <a:spcPct val="90000"/>
+              </a:lnSpc>
+              <a:spcBef>
+                <a:spcPts val="800"/>
+              </a:spcBef>
+              <a:buClr>
+                <a:schemeClr val="tx2"/>
+              </a:buClr>
+              <a:buSzPct val="80000"/>
+              <a:buFont typeface="Wingdings" pitchFamily="2" charset="2"/>
+              <a:buChar char="§"/>
+              <a:defRPr sz="1400" kern="1200">
+                <a:solidFill>
+                  <a:schemeClr val="dk1"/>
+                </a:solidFill>
+                <a:latin typeface="+mn-lt"/>
+                <a:ea typeface="+mn-ea"/>
+                <a:cs typeface="+mn-cs"/>
+              </a:defRPr>
+            </a:lvl4pPr>
+            <a:lvl5pPr marL="1554480" indent="-228600" algn="l" defTabSz="914400" rtl="0" eaLnBrk="1" latinLnBrk="0" hangingPunct="1">
+              <a:lnSpc>
+                <a:spcPct val="90000"/>
+              </a:lnSpc>
+              <a:spcBef>
+                <a:spcPts val="800"/>
+              </a:spcBef>
+              <a:buClr>
+                <a:schemeClr val="tx2"/>
+              </a:buClr>
+              <a:buSzPct val="80000"/>
+              <a:buFont typeface="Wingdings" pitchFamily="2" charset="2"/>
+              <a:buChar char="§"/>
+              <a:defRPr sz="1400" kern="1200">
+                <a:solidFill>
+                  <a:schemeClr val="dk1"/>
+                </a:solidFill>
+                <a:latin typeface="+mn-lt"/>
+                <a:ea typeface="+mn-ea"/>
+                <a:cs typeface="+mn-cs"/>
+              </a:defRPr>
+            </a:lvl5pPr>
+            <a:lvl6pPr marL="1874520" indent="-228600" algn="l" defTabSz="914400" rtl="0" eaLnBrk="1" latinLnBrk="0" hangingPunct="1">
+              <a:lnSpc>
+                <a:spcPct val="90000"/>
+              </a:lnSpc>
+              <a:spcBef>
+                <a:spcPts val="800"/>
+              </a:spcBef>
+              <a:buSzPct val="80000"/>
+              <a:buFont typeface="Wingdings" pitchFamily="2" charset="2"/>
+              <a:buChar char="§"/>
+              <a:defRPr sz="1400" kern="1200">
+                <a:solidFill>
+                  <a:schemeClr val="dk1"/>
+                </a:solidFill>
+                <a:latin typeface="+mn-lt"/>
+                <a:ea typeface="+mn-ea"/>
+                <a:cs typeface="+mn-cs"/>
+              </a:defRPr>
+            </a:lvl6pPr>
+            <a:lvl7pPr marL="2194560" indent="-228600" algn="l" defTabSz="914400" rtl="0" eaLnBrk="1" latinLnBrk="0" hangingPunct="1">
+              <a:lnSpc>
+                <a:spcPct val="90000"/>
+              </a:lnSpc>
+              <a:spcBef>
+                <a:spcPts val="800"/>
+              </a:spcBef>
+              <a:buSzPct val="80000"/>
+              <a:buFont typeface="Wingdings" pitchFamily="2" charset="2"/>
+              <a:buChar char="§"/>
+              <a:defRPr sz="1400" kern="1200" baseline="0">
+                <a:solidFill>
+                  <a:schemeClr val="dk1"/>
+                </a:solidFill>
+                <a:latin typeface="+mn-lt"/>
+                <a:ea typeface="+mn-ea"/>
+                <a:cs typeface="+mn-cs"/>
+              </a:defRPr>
+            </a:lvl7pPr>
+            <a:lvl8pPr marL="2514600" indent="-228600" algn="l" defTabSz="914400" rtl="0" eaLnBrk="1" latinLnBrk="0" hangingPunct="1">
+              <a:lnSpc>
+                <a:spcPct val="90000"/>
+              </a:lnSpc>
+              <a:spcBef>
+                <a:spcPts val="800"/>
+              </a:spcBef>
+              <a:buSzPct val="80000"/>
+              <a:buFont typeface="Wingdings" pitchFamily="2" charset="2"/>
+              <a:buChar char="§"/>
+              <a:defRPr sz="1400" kern="1200" baseline="0">
+                <a:solidFill>
+                  <a:schemeClr val="dk1"/>
+                </a:solidFill>
+                <a:latin typeface="+mn-lt"/>
+                <a:ea typeface="+mn-ea"/>
+                <a:cs typeface="+mn-cs"/>
+              </a:defRPr>
+            </a:lvl8pPr>
+            <a:lvl9pPr marL="2834640" indent="-228600" algn="l" defTabSz="914400" rtl="0" eaLnBrk="1" latinLnBrk="0" hangingPunct="1">
+              <a:lnSpc>
+                <a:spcPct val="90000"/>
+              </a:lnSpc>
+              <a:spcBef>
+                <a:spcPts val="800"/>
+              </a:spcBef>
+              <a:buSzPct val="80000"/>
+              <a:buFont typeface="Wingdings" pitchFamily="2" charset="2"/>
+              <a:buChar char="§"/>
+              <a:defRPr sz="1400" kern="1200" baseline="0">
+                <a:solidFill>
+                  <a:schemeClr val="dk1"/>
+                </a:solidFill>
+                <a:latin typeface="+mn-lt"/>
+                <a:ea typeface="+mn-ea"/>
+                <a:cs typeface="+mn-cs"/>
+              </a:defRPr>
+            </a:lvl9pPr>
+          </a:lstStyle>
+          <a:p>
+            <a:pPr marL="45720" indent="0">
               <a:buNone/>
             </a:pPr>
             <a:r>
-              <a:rPr lang="pt-BR" dirty="0" smtClean="0"/>
-              <a:t>“</a:t>
-            </a:r>
-            <a:r>
-              <a:rPr lang="pt-BR" dirty="0" err="1" smtClean="0"/>
+              <a:rPr lang="pt-BR" dirty="0" err="1" smtClean="0">
+                <a:solidFill>
+                  <a:srgbClr val="2B91AF"/>
+                </a:solidFill>
+                <a:highlight>
+                  <a:srgbClr val="FFFFFF"/>
+                </a:highlight>
+                <a:latin typeface="Consolas" panose="020B0609020204030204" pitchFamily="49" charset="0"/>
+              </a:rPr>
+              <a:t>IQuery</a:t>
+            </a:r>
+            <a:r>
+              <a:rPr lang="pt-BR" dirty="0" smtClean="0">
+                <a:solidFill>
+                  <a:srgbClr val="000000"/>
+                </a:solidFill>
+                <a:highlight>
+                  <a:srgbClr val="FFFFFF"/>
+                </a:highlight>
+                <a:latin typeface="Consolas" panose="020B0609020204030204" pitchFamily="49" charset="0"/>
+              </a:rPr>
+              <a:t> </a:t>
+            </a:r>
+            <a:r>
+              <a:rPr lang="pt-BR" dirty="0">
+                <a:solidFill>
+                  <a:srgbClr val="000000"/>
+                </a:solidFill>
+                <a:highlight>
+                  <a:srgbClr val="FFFFFF"/>
+                </a:highlight>
+                <a:latin typeface="Consolas" panose="020B0609020204030204" pitchFamily="49" charset="0"/>
+              </a:rPr>
+              <a:t>q = </a:t>
+            </a:r>
+            <a:r>
+              <a:rPr lang="pt-BR" dirty="0" err="1">
+                <a:solidFill>
+                  <a:srgbClr val="000000"/>
+                </a:solidFill>
+                <a:highlight>
+                  <a:srgbClr val="FFFFFF"/>
+                </a:highlight>
+                <a:latin typeface="Consolas" panose="020B0609020204030204" pitchFamily="49" charset="0"/>
+              </a:rPr>
+              <a:t>session.CreateQuery</a:t>
+            </a:r>
+            <a:r>
+              <a:rPr lang="pt-BR" dirty="0" smtClean="0">
+                <a:solidFill>
+                  <a:srgbClr val="000000"/>
+                </a:solidFill>
+                <a:highlight>
+                  <a:srgbClr val="FFFFFF"/>
+                </a:highlight>
+                <a:latin typeface="Consolas" panose="020B0609020204030204" pitchFamily="49" charset="0"/>
+              </a:rPr>
+              <a:t>(</a:t>
+            </a:r>
+            <a:br>
+              <a:rPr lang="pt-BR" dirty="0" smtClean="0">
+                <a:solidFill>
+                  <a:srgbClr val="000000"/>
+                </a:solidFill>
+                <a:highlight>
+                  <a:srgbClr val="FFFFFF"/>
+                </a:highlight>
+                <a:latin typeface="Consolas" panose="020B0609020204030204" pitchFamily="49" charset="0"/>
+              </a:rPr>
+            </a:br>
+            <a:r>
+              <a:rPr lang="pt-BR" dirty="0" smtClean="0">
+                <a:solidFill>
+                  <a:srgbClr val="000000"/>
+                </a:solidFill>
+                <a:highlight>
+                  <a:srgbClr val="FFFFFF"/>
+                </a:highlight>
+                <a:latin typeface="Consolas" panose="020B0609020204030204" pitchFamily="49" charset="0"/>
+              </a:rPr>
+              <a:t>     </a:t>
+            </a:r>
+            <a:r>
+              <a:rPr lang="pt-BR" dirty="0" smtClean="0">
+                <a:solidFill>
+                  <a:srgbClr val="A31515"/>
+                </a:solidFill>
+                <a:highlight>
+                  <a:srgbClr val="FFFFFF"/>
+                </a:highlight>
+                <a:latin typeface="Consolas" panose="020B0609020204030204" pitchFamily="49" charset="0"/>
+              </a:rPr>
+              <a:t>"</a:t>
+            </a:r>
+            <a:r>
+              <a:rPr lang="pt-BR" dirty="0" err="1">
+                <a:solidFill>
+                  <a:srgbClr val="A31515"/>
+                </a:solidFill>
+                <a:highlight>
+                  <a:srgbClr val="FFFFFF"/>
+                </a:highlight>
+                <a:latin typeface="Consolas" panose="020B0609020204030204" pitchFamily="49" charset="0"/>
+              </a:rPr>
               <a:t>from</a:t>
             </a:r>
             <a:r>
-              <a:rPr lang="pt-BR" dirty="0" smtClean="0"/>
-              <a:t> Pais”</a:t>
-            </a:r>
-          </a:p>
-          <a:p>
-            <a:pPr marL="365760" lvl="1" indent="0">
-              <a:buNone/>
-            </a:pPr>
-            <a:r>
-              <a:rPr lang="pt-BR" dirty="0" smtClean="0"/>
-              <a:t>“</a:t>
-            </a:r>
-            <a:r>
-              <a:rPr lang="pt-BR" dirty="0" err="1" smtClean="0"/>
-              <a:t>from</a:t>
-            </a:r>
-            <a:r>
-              <a:rPr lang="pt-BR" dirty="0" smtClean="0"/>
-              <a:t> Estado as estado </a:t>
-            </a:r>
-            <a:r>
-              <a:rPr lang="pt-BR" dirty="0" err="1" smtClean="0"/>
-              <a:t>join</a:t>
-            </a:r>
-            <a:r>
-              <a:rPr lang="pt-BR" dirty="0" smtClean="0"/>
+              <a:rPr lang="pt-BR" dirty="0">
+                <a:solidFill>
+                  <a:srgbClr val="A31515"/>
+                </a:solidFill>
+                <a:highlight>
+                  <a:srgbClr val="FFFFFF"/>
+                </a:highlight>
+                <a:latin typeface="Consolas" panose="020B0609020204030204" pitchFamily="49" charset="0"/>
+              </a:rPr>
+              <a:t> Estado </a:t>
+            </a:r>
+            <a:r>
+              <a:rPr lang="pt-BR" dirty="0" err="1">
+                <a:solidFill>
+                  <a:srgbClr val="A31515"/>
+                </a:solidFill>
+                <a:highlight>
+                  <a:srgbClr val="FFFFFF"/>
+                </a:highlight>
+                <a:latin typeface="Consolas" panose="020B0609020204030204" pitchFamily="49" charset="0"/>
+              </a:rPr>
+              <a:t>estado</a:t>
+            </a:r>
+            <a:r>
+              <a:rPr lang="pt-BR" dirty="0">
+                <a:solidFill>
+                  <a:srgbClr val="A31515"/>
+                </a:solidFill>
+                <a:highlight>
+                  <a:srgbClr val="FFFFFF"/>
+                </a:highlight>
+                <a:latin typeface="Consolas" panose="020B0609020204030204" pitchFamily="49" charset="0"/>
+              </a:rPr>
               <a:t> </a:t>
             </a:r>
             <a:r>
-              <a:rPr lang="pt-BR" dirty="0" err="1" smtClean="0"/>
-              <a:t>estado.Pais</a:t>
-            </a:r>
-            <a:r>
-              <a:rPr lang="pt-BR" dirty="0" smtClean="0"/>
-              <a:t> pais”</a:t>
-            </a:r>
-          </a:p>
-          <a:p>
-            <a:pPr marL="365760" lvl="1" indent="0">
-              <a:buNone/>
-            </a:pPr>
-            <a:r>
-              <a:rPr lang="pt-BR" dirty="0" smtClean="0"/>
-              <a:t>“</a:t>
-            </a:r>
-            <a:r>
-              <a:rPr lang="pt-BR" dirty="0" err="1" smtClean="0"/>
-              <a:t>from</a:t>
-            </a:r>
-            <a:r>
-              <a:rPr lang="pt-BR" dirty="0" smtClean="0"/>
-              <a:t> Pais pais </a:t>
-            </a:r>
-            <a:r>
-              <a:rPr lang="pt-BR" dirty="0" err="1" smtClean="0"/>
+              <a:rPr lang="pt-BR" dirty="0" err="1">
+                <a:solidFill>
+                  <a:srgbClr val="A31515"/>
+                </a:solidFill>
+                <a:highlight>
+                  <a:srgbClr val="FFFFFF"/>
+                </a:highlight>
+                <a:latin typeface="Consolas" panose="020B0609020204030204" pitchFamily="49" charset="0"/>
+              </a:rPr>
               <a:t>where</a:t>
             </a:r>
             <a:r>
-              <a:rPr lang="pt-BR" dirty="0" smtClean="0"/>
+              <a:rPr lang="pt-BR" dirty="0">
+                <a:solidFill>
+                  <a:srgbClr val="A31515"/>
+                </a:solidFill>
+                <a:highlight>
+                  <a:srgbClr val="FFFFFF"/>
+                </a:highlight>
+                <a:latin typeface="Consolas" panose="020B0609020204030204" pitchFamily="49" charset="0"/>
+              </a:rPr>
               <a:t> </a:t>
             </a:r>
             <a:r>
-              <a:rPr lang="pt-BR" dirty="0" err="1" smtClean="0"/>
-              <a:t>pais.Nome</a:t>
-            </a:r>
-            <a:r>
-              <a:rPr lang="pt-BR" dirty="0" smtClean="0"/>
-              <a:t> = ‘Brasil’”</a:t>
-            </a:r>
-          </a:p>
-          <a:p>
-            <a:pPr marL="365760" lvl="1" indent="0">
-              <a:buNone/>
-            </a:pPr>
-            <a:r>
-              <a:rPr lang="pt-BR" dirty="0" smtClean="0"/>
-              <a:t>“</a:t>
-            </a:r>
-            <a:r>
-              <a:rPr lang="pt-BR" dirty="0" err="1" smtClean="0"/>
-              <a:t>select</a:t>
-            </a:r>
-            <a:r>
-              <a:rPr lang="pt-BR" dirty="0" smtClean="0"/>
-              <a:t> </a:t>
-            </a:r>
-            <a:r>
-              <a:rPr lang="pt-BR" dirty="0" err="1" smtClean="0"/>
-              <a:t>estado.Pais.Nome</a:t>
-            </a:r>
-            <a:r>
-              <a:rPr lang="pt-BR" dirty="0" smtClean="0"/>
-              <a:t> </a:t>
-            </a:r>
-            <a:r>
-              <a:rPr lang="pt-BR" dirty="0" err="1" smtClean="0"/>
-              <a:t>from</a:t>
-            </a:r>
-            <a:r>
-              <a:rPr lang="pt-BR" dirty="0" smtClean="0"/>
-              <a:t> </a:t>
-            </a:r>
-            <a:r>
-              <a:rPr lang="pt-BR" dirty="0" err="1" smtClean="0"/>
-              <a:t>Model.Estado</a:t>
-            </a:r>
-            <a:r>
-              <a:rPr lang="pt-BR" dirty="0" smtClean="0"/>
-              <a:t> estado”</a:t>
-            </a:r>
-          </a:p>
-          <a:p>
-            <a:pPr marL="365760" lvl="1" indent="0">
-              <a:buNone/>
-            </a:pPr>
-            <a:endParaRPr lang="pt-BR" dirty="0"/>
-          </a:p>
-          <a:p>
+              <a:rPr lang="pt-BR" dirty="0" err="1">
+                <a:solidFill>
+                  <a:srgbClr val="A31515"/>
+                </a:solidFill>
+                <a:highlight>
+                  <a:srgbClr val="FFFFFF"/>
+                </a:highlight>
+                <a:latin typeface="Consolas" panose="020B0609020204030204" pitchFamily="49" charset="0"/>
+              </a:rPr>
+              <a:t>estado.Nome</a:t>
+            </a:r>
+            <a:r>
+              <a:rPr lang="pt-BR" dirty="0">
+                <a:solidFill>
+                  <a:srgbClr val="A31515"/>
+                </a:solidFill>
+                <a:highlight>
+                  <a:srgbClr val="FFFFFF"/>
+                </a:highlight>
+                <a:latin typeface="Consolas" panose="020B0609020204030204" pitchFamily="49" charset="0"/>
+              </a:rPr>
+              <a:t> = :nome</a:t>
+            </a:r>
+            <a:r>
+              <a:rPr lang="pt-BR" dirty="0" smtClean="0">
+                <a:solidFill>
+                  <a:srgbClr val="A31515"/>
+                </a:solidFill>
+                <a:highlight>
+                  <a:srgbClr val="FFFFFF"/>
+                </a:highlight>
+                <a:latin typeface="Consolas" panose="020B0609020204030204" pitchFamily="49" charset="0"/>
+              </a:rPr>
+              <a:t>"</a:t>
+            </a:r>
+            <a:r>
+              <a:rPr lang="pt-BR" dirty="0" smtClean="0">
+                <a:solidFill>
+                  <a:srgbClr val="000000"/>
+                </a:solidFill>
+                <a:highlight>
+                  <a:srgbClr val="FFFFFF"/>
+                </a:highlight>
+                <a:latin typeface="Consolas" panose="020B0609020204030204" pitchFamily="49" charset="0"/>
+              </a:rPr>
+              <a:t>);</a:t>
+            </a:r>
+            <a:br>
+              <a:rPr lang="pt-BR" dirty="0" smtClean="0">
+                <a:solidFill>
+                  <a:srgbClr val="000000"/>
+                </a:solidFill>
+                <a:highlight>
+                  <a:srgbClr val="FFFFFF"/>
+                </a:highlight>
+                <a:latin typeface="Consolas" panose="020B0609020204030204" pitchFamily="49" charset="0"/>
+              </a:rPr>
+            </a:br>
+            <a:r>
+              <a:rPr lang="pt-BR" dirty="0" err="1" smtClean="0">
+                <a:solidFill>
+                  <a:srgbClr val="000000"/>
+                </a:solidFill>
+                <a:highlight>
+                  <a:srgbClr val="FFFFFF"/>
+                </a:highlight>
+                <a:latin typeface="Consolas" panose="020B0609020204030204" pitchFamily="49" charset="0"/>
+              </a:rPr>
+              <a:t>q.SetParameter</a:t>
+            </a:r>
+            <a:r>
+              <a:rPr lang="pt-BR" dirty="0">
+                <a:solidFill>
+                  <a:srgbClr val="000000"/>
+                </a:solidFill>
+                <a:highlight>
+                  <a:srgbClr val="FFFFFF"/>
+                </a:highlight>
+                <a:latin typeface="Consolas" panose="020B0609020204030204" pitchFamily="49" charset="0"/>
+              </a:rPr>
+              <a:t>(</a:t>
+            </a:r>
+            <a:r>
+              <a:rPr lang="pt-BR" dirty="0">
+                <a:solidFill>
+                  <a:srgbClr val="A31515"/>
+                </a:solidFill>
+                <a:highlight>
+                  <a:srgbClr val="FFFFFF"/>
+                </a:highlight>
+                <a:latin typeface="Consolas" panose="020B0609020204030204" pitchFamily="49" charset="0"/>
+              </a:rPr>
+              <a:t>"nome"</a:t>
+            </a:r>
+            <a:r>
+              <a:rPr lang="pt-BR" dirty="0">
+                <a:solidFill>
+                  <a:srgbClr val="000000"/>
+                </a:solidFill>
+                <a:highlight>
+                  <a:srgbClr val="FFFFFF"/>
+                </a:highlight>
+                <a:latin typeface="Consolas" panose="020B0609020204030204" pitchFamily="49" charset="0"/>
+              </a:rPr>
+              <a:t>, </a:t>
+            </a:r>
+            <a:r>
+              <a:rPr lang="pt-BR" dirty="0">
+                <a:solidFill>
+                  <a:srgbClr val="A31515"/>
+                </a:solidFill>
+                <a:highlight>
+                  <a:srgbClr val="FFFFFF"/>
+                </a:highlight>
+                <a:latin typeface="Consolas" panose="020B0609020204030204" pitchFamily="49" charset="0"/>
+              </a:rPr>
+              <a:t>"Santa Catarina"</a:t>
+            </a:r>
+            <a:r>
+              <a:rPr lang="pt-BR" dirty="0">
+                <a:solidFill>
+                  <a:srgbClr val="000000"/>
+                </a:solidFill>
+                <a:highlight>
+                  <a:srgbClr val="FFFFFF"/>
+                </a:highlight>
+                <a:latin typeface="Consolas" panose="020B0609020204030204" pitchFamily="49" charset="0"/>
+              </a:rPr>
+              <a:t>);</a:t>
+            </a:r>
             <a:endParaRPr lang="pt-BR" dirty="0"/>
           </a:p>
         </p:txBody>
@@ -15659,7 +15899,7 @@
     </p:spTree>
     <p:extLst>
       <p:ext uri="{BB962C8B-B14F-4D97-AF65-F5344CB8AC3E}">
-        <p14:creationId xmlns:p14="http://schemas.microsoft.com/office/powerpoint/2010/main" val="1273301133"/>
+        <p14:creationId xmlns:p14="http://schemas.microsoft.com/office/powerpoint/2010/main" val="2512292809"/>
       </p:ext>
     </p:extLst>
   </p:cSld>
@@ -15681,9 +15921,126 @@
   <p:timing>
     <p:tnLst>
       <p:par>
-        <p:cTn id="1" dur="indefinite" restart="never" nodeType="tmRoot"/>
+        <p:cTn id="1" dur="indefinite" restart="never" nodeType="tmRoot">
+          <p:childTnLst>
+            <p:seq concurrent="1" nextAc="seek">
+              <p:cTn id="2" dur="indefinite" nodeType="mainSeq">
+                <p:childTnLst>
+                  <p:par>
+                    <p:cTn id="3" fill="hold">
+                      <p:stCondLst>
+                        <p:cond delay="indefinite"/>
+                      </p:stCondLst>
+                      <p:childTnLst>
+                        <p:par>
+                          <p:cTn id="4" fill="hold">
+                            <p:stCondLst>
+                              <p:cond delay="0"/>
+                            </p:stCondLst>
+                            <p:childTnLst>
+                              <p:par>
+                                <p:cTn id="5" presetID="2" presetClass="entr" presetSubtype="4" fill="hold" grpId="0" nodeType="clickEffect">
+                                  <p:stCondLst>
+                                    <p:cond delay="0"/>
+                                  </p:stCondLst>
+                                  <p:childTnLst>
+                                    <p:set>
+                                      <p:cBhvr>
+                                        <p:cTn id="6" dur="1" fill="hold">
+                                          <p:stCondLst>
+                                            <p:cond delay="0"/>
+                                          </p:stCondLst>
+                                        </p:cTn>
+                                        <p:tgtEl>
+                                          <p:spTgt spid="5"/>
+                                        </p:tgtEl>
+                                        <p:attrNameLst>
+                                          <p:attrName>style.visibility</p:attrName>
+                                        </p:attrNameLst>
+                                      </p:cBhvr>
+                                      <p:to>
+                                        <p:strVal val="visible"/>
+                                      </p:to>
+                                    </p:set>
+                                    <p:anim calcmode="lin" valueType="num">
+                                      <p:cBhvr additive="base">
+                                        <p:cTn id="7" dur="500" fill="hold"/>
+                                        <p:tgtEl>
+                                          <p:spTgt spid="5"/>
+                                        </p:tgtEl>
+                                        <p:attrNameLst>
+                                          <p:attrName>ppt_x</p:attrName>
+                                        </p:attrNameLst>
+                                      </p:cBhvr>
+                                      <p:tavLst>
+                                        <p:tav tm="0">
+                                          <p:val>
+                                            <p:strVal val="#ppt_x"/>
+                                          </p:val>
+                                        </p:tav>
+                                        <p:tav tm="100000">
+                                          <p:val>
+                                            <p:strVal val="#ppt_x"/>
+                                          </p:val>
+                                        </p:tav>
+                                      </p:tavLst>
+                                    </p:anim>
+                                    <p:anim calcmode="lin" valueType="num">
+                                      <p:cBhvr additive="base">
+                                        <p:cTn id="8" dur="500" fill="hold"/>
+                                        <p:tgtEl>
+                                          <p:spTgt spid="5"/>
+                                        </p:tgtEl>
+                                        <p:attrNameLst>
+                                          <p:attrName>ppt_y</p:attrName>
+                                        </p:attrNameLst>
+                                      </p:cBhvr>
+                                      <p:tavLst>
+                                        <p:tav tm="0">
+                                          <p:val>
+                                            <p:strVal val="1+#ppt_h/2"/>
+                                          </p:val>
+                                        </p:tav>
+                                        <p:tav tm="100000">
+                                          <p:val>
+                                            <p:strVal val="#ppt_y"/>
+                                          </p:val>
+                                        </p:tav>
+                                      </p:tavLst>
+                                    </p:anim>
+                                  </p:childTnLst>
+                                </p:cTn>
+                              </p:par>
+                            </p:childTnLst>
+                          </p:cTn>
+                        </p:par>
+                      </p:childTnLst>
+                    </p:cTn>
+                  </p:par>
+                </p:childTnLst>
+              </p:cTn>
+              <p:prevCondLst>
+                <p:cond evt="onPrev" delay="0">
+                  <p:tgtEl>
+                    <p:sldTgt/>
+                  </p:tgtEl>
+                </p:cond>
+              </p:prevCondLst>
+              <p:nextCondLst>
+                <p:cond evt="onNext" delay="0">
+                  <p:tgtEl>
+                    <p:sldTgt/>
+                  </p:tgtEl>
+                </p:cond>
+              </p:nextCondLst>
+            </p:seq>
+          </p:childTnLst>
+        </p:cTn>
       </p:par>
     </p:tnLst>
+    <p:bldLst>
+      <p:bldP spid="5" grpId="0" animBg="1"/>
+    </p:bldLst>
   </p:timing>
 </p:sld>
 </file>
@@ -16443,6 +16800,21 @@
 </file>
 
 <file path=customXml/item1.xml><?xml version="1.0" encoding="utf-8"?>
+<?mso-contentType ?>
+<FormTemplates xmlns="http://schemas.microsoft.com/sharepoint/v3/contenttype/forms">
+  <Display>DocumentLibraryForm</Display>
+  <Edit>DocumentLibraryForm</Edit>
+  <New>DocumentLibraryForm</New>
+</FormTemplates>
+</file>
+
+<file path=customXml/item2.xml><?xml version="1.0" encoding="utf-8"?>
+<p:properties xmlns:p="http://schemas.microsoft.com/office/2006/metadata/properties" xmlns:xsi="http://www.w3.org/2001/XMLSchema-instance" xmlns:pc="http://schemas.microsoft.com/office/infopath/2007/PartnerControls">
+  <documentManagement/>
+</p:properties>
+</file>
+
+<file path=customXml/item3.xml><?xml version="1.0" encoding="utf-8"?>
 <ct:contentTypeSchema xmlns:ct="http://schemas.microsoft.com/office/2006/metadata/contentType" xmlns:ma="http://schemas.microsoft.com/office/2006/metadata/properties/metaAttributes" ct:_="" ma:_="" ma:contentTypeName="Documento" ma:contentTypeID="0x010100959B0BF4262D9249B07D151FDFA60B1A" ma:contentTypeVersion="0" ma:contentTypeDescription="Crie um novo documento." ma:contentTypeScope="" ma:versionID="63368373372bded2a4c3a18a82443981">
   <xsd:schema xmlns:xsd="http://www.w3.org/2001/XMLSchema" xmlns:xs="http://www.w3.org/2001/XMLSchema" xmlns:p="http://schemas.microsoft.com/office/2006/metadata/properties" targetNamespace="http://schemas.microsoft.com/office/2006/metadata/properties" ma:root="true" ma:fieldsID="6e078010f886becc52d8153076464ff7">
     <xsd:element name="properties">
@@ -16556,33 +16928,10 @@
 </ct:contentTypeSchema>
 </file>
 
-<file path=customXml/item2.xml><?xml version="1.0" encoding="utf-8"?>
-<p:properties xmlns:p="http://schemas.microsoft.com/office/2006/metadata/properties" xmlns:xsi="http://www.w3.org/2001/XMLSchema-instance" xmlns:pc="http://schemas.microsoft.com/office/infopath/2007/PartnerControls">
-  <documentManagement/>
-</p:properties>
-</file>
-
-<file path=customXml/item3.xml><?xml version="1.0" encoding="utf-8"?>
-<?mso-contentType ?>
-<FormTemplates xmlns="http://schemas.microsoft.com/sharepoint/v3/contenttype/forms">
-  <Display>DocumentLibraryForm</Display>
-  <Edit>DocumentLibraryForm</Edit>
-  <New>DocumentLibraryForm</New>
-</FormTemplates>
-</file>
-
 <file path=customXml/itemProps1.xml><?xml version="1.0" encoding="utf-8"?>
-<ds:datastoreItem xmlns:ds="http://schemas.openxmlformats.org/officeDocument/2006/customXml" ds:itemID="{62AAEB2B-D700-4E5F-8714-4CD26AEEB721}">
+<ds:datastoreItem xmlns:ds="http://schemas.openxmlformats.org/officeDocument/2006/customXml" ds:itemID="{3FDA0BF0-BF7C-4E63-BC2A-B9D2AB7CEB76}">
   <ds:schemaRefs>
-    <ds:schemaRef ds:uri="http://schemas.microsoft.com/office/2006/metadata/contentType"/>
-    <ds:schemaRef ds:uri="http://schemas.microsoft.com/office/2006/metadata/properties/metaAttributes"/>
-    <ds:schemaRef ds:uri="http://www.w3.org/2001/XMLSchema"/>
-    <ds:schemaRef ds:uri="http://schemas.microsoft.com/office/2006/metadata/properties"/>
-    <ds:schemaRef ds:uri="http://schemas.openxmlformats.org/package/2006/metadata/core-properties"/>
-    <ds:schemaRef ds:uri="http://purl.org/dc/elements/1.1/"/>
-    <ds:schemaRef ds:uri="http://purl.org/dc/terms/"/>
-    <ds:schemaRef ds:uri="http://schemas.microsoft.com/internal/obd"/>
-    <ds:schemaRef ds:uri="http://schemas.microsoft.com/office/infopath/2007/PartnerControls"/>
+    <ds:schemaRef ds:uri="http://schemas.microsoft.com/sharepoint/v3/contenttype/forms"/>
   </ds:schemaRefs>
 </ds:datastoreItem>
 </file>
@@ -16603,9 +16952,17 @@
 </file>
 
 <file path=customXml/itemProps3.xml><?xml version="1.0" encoding="utf-8"?>
-<ds:datastoreItem xmlns:ds="http://schemas.openxmlformats.org/officeDocument/2006/customXml" ds:itemID="{3FDA0BF0-BF7C-4E63-BC2A-B9D2AB7CEB76}">
+<ds:datastoreItem xmlns:ds="http://schemas.openxmlformats.org/officeDocument/2006/customXml" ds:itemID="{62AAEB2B-D700-4E5F-8714-4CD26AEEB721}">
   <ds:schemaRefs>
-    <ds:schemaRef ds:uri="http://schemas.microsoft.com/sharepoint/v3/contenttype/forms"/>
+    <ds:schemaRef ds:uri="http://schemas.microsoft.com/office/2006/metadata/contentType"/>
+    <ds:schemaRef ds:uri="http://schemas.microsoft.com/office/2006/metadata/properties/metaAttributes"/>
+    <ds:schemaRef ds:uri="http://www.w3.org/2001/XMLSchema"/>
+    <ds:schemaRef ds:uri="http://schemas.microsoft.com/office/2006/metadata/properties"/>
+    <ds:schemaRef ds:uri="http://schemas.openxmlformats.org/package/2006/metadata/core-properties"/>
+    <ds:schemaRef ds:uri="http://purl.org/dc/elements/1.1/"/>
+    <ds:schemaRef ds:uri="http://purl.org/dc/terms/"/>
+    <ds:schemaRef ds:uri="http://schemas.microsoft.com/internal/obd"/>
+    <ds:schemaRef ds:uri="http://schemas.microsoft.com/office/infopath/2007/PartnerControls"/>
   </ds:schemaRefs>
 </ds:datastoreItem>
 </file>